--- a/share_buyback_roi2.pptx
+++ b/share_buyback_roi2.pptx
@@ -16,6 +16,8 @@
     <p:sldId id="290" r:id="rId4"/>
     <p:sldId id="291" r:id="rId11"/>
     <p:sldId id="292" r:id="rId12"/>
+    <p:sldId id="293" r:id="rId13"/>
+    <p:sldId id="294" r:id="rId14"/>
   </p:sldIdLst>
   <p:sldSz cx="10059988" cy="7773988"/>
   <p:notesSz cx="6858000" cy="9144000"/>
@@ -11571,27 +11573,27 @@
           <p:nvPr/>
         </p:nvGraphicFramePr>
         <p:xfrm rot="0">
-          <a:off x="503300" y="315020"/>
-          <a:ext cx="9066832" cy="221974"/>
+          <a:off x="503000" y="1305867"/>
+          <a:ext cx="9067132" cy="5683668"/>
         </p:xfrm>
         <a:graphic>
           <a:graphicData uri="http://schemas.openxmlformats.org/drawingml/2006/table">
             <a:tbl>
               <a:tblPr/>
               <a:tblGrid>
-                <a:gridCol w="526097"/>
-                <a:gridCol w="872184"/>
-                <a:gridCol w="1387067"/>
-                <a:gridCol w="1175421"/>
-                <a:gridCol w="1634370"/>
-                <a:gridCol w="1577877"/>
-                <a:gridCol w="2298206"/>
-                <a:gridCol w="2036888"/>
-                <a:gridCol w="1585195"/>
-                <a:gridCol w="907345"/>
-                <a:gridCol w="1436863"/>
+                <a:gridCol w="493776"/>
+                <a:gridCol w="493776"/>
+                <a:gridCol w="822960"/>
+                <a:gridCol w="822960"/>
+                <a:gridCol w="822960"/>
+                <a:gridCol w="822960"/>
+                <a:gridCol w="822960"/>
+                <a:gridCol w="822960"/>
+                <a:gridCol w="822960"/>
+                <a:gridCol w="822960"/>
+                <a:gridCol w="822960"/>
               </a:tblGrid>
-              <a:tr h="209299">
+              <a:tr h="182880">
                 <a:tc gridSpan="11">
                   <a:txBody>
                     <a:bodyPr/>
@@ -12154,7 +12156,7 @@
                   </a:tcPr>
                 </a:tc>
               </a:tr>
-              <a:tr h="285181">
+              <a:tr h="202406">
                 <a:tc>
                   <a:txBody>
                     <a:bodyPr/>
@@ -12170,7 +12172,7 @@
                         <a:buNone/>
                       </a:pPr>
                       <a:r>
-                        <a:rPr sz="1000">
+                        <a:rPr sz="800">
                           <a:solidFill>
                             <a:srgbClr val="0083A9">
                               <a:alpha val="100000"/>
@@ -12225,7 +12227,7 @@
                         <a:buNone/>
                       </a:pPr>
                       <a:r>
-                        <a:rPr sz="1000">
+                        <a:rPr sz="800">
                           <a:solidFill>
                             <a:srgbClr val="0083A9">
                               <a:alpha val="100000"/>
@@ -12280,7 +12282,7 @@
                         <a:buNone/>
                       </a:pPr>
                       <a:r>
-                        <a:rPr sz="1000">
+                        <a:rPr sz="800">
                           <a:solidFill>
                             <a:srgbClr val="0083A9">
                               <a:alpha val="100000"/>
@@ -12335,7 +12337,7 @@
                         <a:buNone/>
                       </a:pPr>
                       <a:r>
-                        <a:rPr sz="1000">
+                        <a:rPr sz="800">
                           <a:solidFill>
                             <a:srgbClr val="0083A9">
                               <a:alpha val="100000"/>
@@ -12390,7 +12392,7 @@
                         <a:buNone/>
                       </a:pPr>
                       <a:r>
-                        <a:rPr sz="1000">
+                        <a:rPr sz="800">
                           <a:solidFill>
                             <a:srgbClr val="0083A9">
                               <a:alpha val="100000"/>
@@ -12445,7 +12447,7 @@
                         <a:buNone/>
                       </a:pPr>
                       <a:r>
-                        <a:rPr sz="1000">
+                        <a:rPr sz="800">
                           <a:solidFill>
                             <a:srgbClr val="0083A9">
                               <a:alpha val="100000"/>
@@ -12500,7 +12502,7 @@
                         <a:buNone/>
                       </a:pPr>
                       <a:r>
-                        <a:rPr sz="1000">
+                        <a:rPr sz="800">
                           <a:solidFill>
                             <a:srgbClr val="0083A9">
                               <a:alpha val="100000"/>
@@ -12555,7 +12557,7 @@
                         <a:buNone/>
                       </a:pPr>
                       <a:r>
-                        <a:rPr sz="1000">
+                        <a:rPr sz="800">
                           <a:solidFill>
                             <a:srgbClr val="0083A9">
                               <a:alpha val="100000"/>
@@ -12610,7 +12612,7 @@
                         <a:buNone/>
                       </a:pPr>
                       <a:r>
-                        <a:rPr sz="1000">
+                        <a:rPr sz="800">
                           <a:solidFill>
                             <a:srgbClr val="0083A9">
                               <a:alpha val="100000"/>
@@ -12665,7 +12667,7 @@
                         <a:buNone/>
                       </a:pPr>
                       <a:r>
-                        <a:rPr sz="1000">
+                        <a:rPr sz="800">
                           <a:solidFill>
                             <a:srgbClr val="0083A9">
                               <a:alpha val="100000"/>
@@ -12720,7 +12722,7 @@
                         <a:buNone/>
                       </a:pPr>
                       <a:r>
-                        <a:rPr sz="1000">
+                        <a:rPr sz="800">
                           <a:solidFill>
                             <a:srgbClr val="0083A9">
                               <a:alpha val="100000"/>
@@ -12761,23 +12763,23 @@
                   </a:tcPr>
                 </a:tc>
               </a:tr>
-              <a:tr h="209299">
-                <a:tc>
-                  <a:txBody>
-                    <a:bodyPr/>
-                    <a:lstStyle/>
-                    <a:p>
-                      <a:pPr algn="r" marL="25400" marR="50800">
-                        <a:spcBef>
-                          <a:spcPts val="200"/>
-                        </a:spcBef>
-                        <a:spcAft>
-                          <a:spcPts val="200"/>
-                        </a:spcAft>
-                        <a:buNone/>
-                      </a:pPr>
-                      <a:r>
-                        <a:rPr sz="1000">
+              <a:tr h="182880">
+                <a:tc>
+                  <a:txBody>
+                    <a:bodyPr/>
+                    <a:lstStyle/>
+                    <a:p>
+                      <a:pPr algn="r" marL="25400" marR="50800">
+                        <a:spcBef>
+                          <a:spcPts val="200"/>
+                        </a:spcBef>
+                        <a:spcAft>
+                          <a:spcPts val="200"/>
+                        </a:spcAft>
+                        <a:buNone/>
+                      </a:pPr>
+                      <a:r>
+                        <a:rPr sz="800">
                           <a:solidFill>
                             <a:srgbClr val="000000">
                               <a:alpha val="100000"/>
@@ -12828,7 +12830,7 @@
                         <a:buNone/>
                       </a:pPr>
                       <a:r>
-                        <a:rPr sz="1000">
+                        <a:rPr sz="800">
                           <a:solidFill>
                             <a:srgbClr val="000000">
                               <a:alpha val="100000"/>
@@ -12879,7 +12881,7 @@
                         <a:buNone/>
                       </a:pPr>
                       <a:r>
-                        <a:rPr sz="1000">
+                        <a:rPr sz="800">
                           <a:solidFill>
                             <a:srgbClr val="000000">
                               <a:alpha val="100000"/>
@@ -12930,7 +12932,7 @@
                         <a:buNone/>
                       </a:pPr>
                       <a:r>
-                        <a:rPr sz="1000">
+                        <a:rPr sz="800">
                           <a:solidFill>
                             <a:srgbClr val="000000">
                               <a:alpha val="100000"/>
@@ -12981,7 +12983,7 @@
                         <a:buNone/>
                       </a:pPr>
                       <a:r>
-                        <a:rPr sz="1000">
+                        <a:rPr sz="800">
                           <a:solidFill>
                             <a:srgbClr val="000000">
                               <a:alpha val="100000"/>
@@ -13032,7 +13034,7 @@
                         <a:buNone/>
                       </a:pPr>
                       <a:r>
-                        <a:rPr sz="1000">
+                        <a:rPr sz="800">
                           <a:solidFill>
                             <a:srgbClr val="000000">
                               <a:alpha val="100000"/>
@@ -13083,7 +13085,7 @@
                         <a:buNone/>
                       </a:pPr>
                       <a:r>
-                        <a:rPr sz="1000">
+                        <a:rPr sz="800">
                           <a:solidFill>
                             <a:srgbClr val="000000">
                               <a:alpha val="100000"/>
@@ -13134,7 +13136,7 @@
                         <a:buNone/>
                       </a:pPr>
                       <a:r>
-                        <a:rPr sz="1000">
+                        <a:rPr sz="800">
                           <a:solidFill>
                             <a:srgbClr val="000000">
                               <a:alpha val="100000"/>
@@ -13185,7 +13187,7 @@
                         <a:buNone/>
                       </a:pPr>
                       <a:r>
-                        <a:rPr sz="1000">
+                        <a:rPr sz="800">
                           <a:solidFill>
                             <a:srgbClr val="000000">
                               <a:alpha val="100000"/>
@@ -13236,7 +13238,7 @@
                         <a:buNone/>
                       </a:pPr>
                       <a:r>
-                        <a:rPr sz="1000">
+                        <a:rPr sz="800">
                           <a:solidFill>
                             <a:srgbClr val="000000">
                               <a:alpha val="100000"/>
@@ -13287,7 +13289,7 @@
                         <a:buNone/>
                       </a:pPr>
                       <a:r>
-                        <a:rPr sz="1000">
+                        <a:rPr sz="800">
                           <a:solidFill>
                             <a:srgbClr val="000000">
                               <a:alpha val="100000"/>
@@ -13324,23 +13326,23 @@
                   </a:tcPr>
                 </a:tc>
               </a:tr>
-              <a:tr h="222792">
-                <a:tc>
-                  <a:txBody>
-                    <a:bodyPr/>
-                    <a:lstStyle/>
-                    <a:p>
-                      <a:pPr algn="r" marL="25400" marR="50800">
-                        <a:spcBef>
-                          <a:spcPts val="200"/>
-                        </a:spcBef>
-                        <a:spcAft>
-                          <a:spcPts val="200"/>
-                        </a:spcAft>
-                        <a:buNone/>
-                      </a:pPr>
-                      <a:r>
-                        <a:rPr sz="1000">
+              <a:tr h="182880">
+                <a:tc>
+                  <a:txBody>
+                    <a:bodyPr/>
+                    <a:lstStyle/>
+                    <a:p>
+                      <a:pPr algn="r" marL="25400" marR="50800">
+                        <a:spcBef>
+                          <a:spcPts val="200"/>
+                        </a:spcBef>
+                        <a:spcAft>
+                          <a:spcPts val="200"/>
+                        </a:spcAft>
+                        <a:buNone/>
+                      </a:pPr>
+                      <a:r>
+                        <a:rPr sz="800">
                           <a:solidFill>
                             <a:srgbClr val="000000">
                               <a:alpha val="100000"/>
@@ -13391,7 +13393,7 @@
                         <a:buNone/>
                       </a:pPr>
                       <a:r>
-                        <a:rPr sz="1000">
+                        <a:rPr sz="800">
                           <a:solidFill>
                             <a:srgbClr val="000000">
                               <a:alpha val="100000"/>
@@ -13442,7 +13444,7 @@
                         <a:buNone/>
                       </a:pPr>
                       <a:r>
-                        <a:rPr sz="1000">
+                        <a:rPr sz="800">
                           <a:solidFill>
                             <a:srgbClr val="000000">
                               <a:alpha val="100000"/>
@@ -13493,7 +13495,7 @@
                         <a:buNone/>
                       </a:pPr>
                       <a:r>
-                        <a:rPr sz="1000">
+                        <a:rPr sz="800">
                           <a:solidFill>
                             <a:srgbClr val="000000">
                               <a:alpha val="100000"/>
@@ -13544,7 +13546,7 @@
                         <a:buNone/>
                       </a:pPr>
                       <a:r>
-                        <a:rPr sz="1000">
+                        <a:rPr sz="800">
                           <a:solidFill>
                             <a:srgbClr val="000000">
                               <a:alpha val="100000"/>
@@ -13595,7 +13597,7 @@
                         <a:buNone/>
                       </a:pPr>
                       <a:r>
-                        <a:rPr sz="1000">
+                        <a:rPr sz="800">
                           <a:solidFill>
                             <a:srgbClr val="000000">
                               <a:alpha val="100000"/>
@@ -13646,7 +13648,7 @@
                         <a:buNone/>
                       </a:pPr>
                       <a:r>
-                        <a:rPr sz="1000">
+                        <a:rPr sz="800">
                           <a:solidFill>
                             <a:srgbClr val="000000">
                               <a:alpha val="100000"/>
@@ -13697,7 +13699,7 @@
                         <a:buNone/>
                       </a:pPr>
                       <a:r>
-                        <a:rPr sz="1000">
+                        <a:rPr sz="800">
                           <a:solidFill>
                             <a:srgbClr val="000000">
                               <a:alpha val="100000"/>
@@ -13748,7 +13750,7 @@
                         <a:buNone/>
                       </a:pPr>
                       <a:r>
-                        <a:rPr sz="1000">
+                        <a:rPr sz="800">
                           <a:solidFill>
                             <a:srgbClr val="000000">
                               <a:alpha val="100000"/>
@@ -13799,7 +13801,7 @@
                         <a:buNone/>
                       </a:pPr>
                       <a:r>
-                        <a:rPr sz="1000">
+                        <a:rPr sz="800">
                           <a:solidFill>
                             <a:srgbClr val="000000">
                               <a:alpha val="100000"/>
@@ -13850,7 +13852,7 @@
                         <a:buNone/>
                       </a:pPr>
                       <a:r>
-                        <a:rPr sz="1000">
+                        <a:rPr sz="800">
                           <a:solidFill>
                             <a:srgbClr val="000000">
                               <a:alpha val="100000"/>
@@ -13887,23 +13889,23 @@
                   </a:tcPr>
                 </a:tc>
               </a:tr>
-              <a:tr h="222792">
-                <a:tc>
-                  <a:txBody>
-                    <a:bodyPr/>
-                    <a:lstStyle/>
-                    <a:p>
-                      <a:pPr algn="r" marL="25400" marR="50800">
-                        <a:spcBef>
-                          <a:spcPts val="200"/>
-                        </a:spcBef>
-                        <a:spcAft>
-                          <a:spcPts val="200"/>
-                        </a:spcAft>
-                        <a:buNone/>
-                      </a:pPr>
-                      <a:r>
-                        <a:rPr sz="1000">
+              <a:tr h="182880">
+                <a:tc>
+                  <a:txBody>
+                    <a:bodyPr/>
+                    <a:lstStyle/>
+                    <a:p>
+                      <a:pPr algn="r" marL="25400" marR="50800">
+                        <a:spcBef>
+                          <a:spcPts val="200"/>
+                        </a:spcBef>
+                        <a:spcAft>
+                          <a:spcPts val="200"/>
+                        </a:spcAft>
+                        <a:buNone/>
+                      </a:pPr>
+                      <a:r>
+                        <a:rPr sz="800">
                           <a:solidFill>
                             <a:srgbClr val="000000">
                               <a:alpha val="100000"/>
@@ -13954,7 +13956,7 @@
                         <a:buNone/>
                       </a:pPr>
                       <a:r>
-                        <a:rPr sz="1000">
+                        <a:rPr sz="800">
                           <a:solidFill>
                             <a:srgbClr val="000000">
                               <a:alpha val="100000"/>
@@ -14005,7 +14007,7 @@
                         <a:buNone/>
                       </a:pPr>
                       <a:r>
-                        <a:rPr sz="1000">
+                        <a:rPr sz="800">
                           <a:solidFill>
                             <a:srgbClr val="000000">
                               <a:alpha val="100000"/>
@@ -14056,7 +14058,7 @@
                         <a:buNone/>
                       </a:pPr>
                       <a:r>
-                        <a:rPr sz="1000">
+                        <a:rPr sz="800">
                           <a:solidFill>
                             <a:srgbClr val="000000">
                               <a:alpha val="100000"/>
@@ -14107,7 +14109,7 @@
                         <a:buNone/>
                       </a:pPr>
                       <a:r>
-                        <a:rPr sz="1000">
+                        <a:rPr sz="800">
                           <a:solidFill>
                             <a:srgbClr val="000000">
                               <a:alpha val="100000"/>
@@ -14158,7 +14160,7 @@
                         <a:buNone/>
                       </a:pPr>
                       <a:r>
-                        <a:rPr sz="1000">
+                        <a:rPr sz="800">
                           <a:solidFill>
                             <a:srgbClr val="000000">
                               <a:alpha val="100000"/>
@@ -14209,7 +14211,7 @@
                         <a:buNone/>
                       </a:pPr>
                       <a:r>
-                        <a:rPr sz="1000">
+                        <a:rPr sz="800">
                           <a:solidFill>
                             <a:srgbClr val="000000">
                               <a:alpha val="100000"/>
@@ -14260,7 +14262,7 @@
                         <a:buNone/>
                       </a:pPr>
                       <a:r>
-                        <a:rPr sz="1000">
+                        <a:rPr sz="800">
                           <a:solidFill>
                             <a:srgbClr val="000000">
                               <a:alpha val="100000"/>
@@ -14311,7 +14313,7 @@
                         <a:buNone/>
                       </a:pPr>
                       <a:r>
-                        <a:rPr sz="1000">
+                        <a:rPr sz="800">
                           <a:solidFill>
                             <a:srgbClr val="000000">
                               <a:alpha val="100000"/>
@@ -14362,7 +14364,7 @@
                         <a:buNone/>
                       </a:pPr>
                       <a:r>
-                        <a:rPr sz="1000">
+                        <a:rPr sz="800">
                           <a:solidFill>
                             <a:srgbClr val="000000">
                               <a:alpha val="100000"/>
@@ -14413,7 +14415,7 @@
                         <a:buNone/>
                       </a:pPr>
                       <a:r>
-                        <a:rPr sz="1000">
+                        <a:rPr sz="800">
                           <a:solidFill>
                             <a:srgbClr val="000000">
                               <a:alpha val="100000"/>
@@ -14450,23 +14452,23 @@
                   </a:tcPr>
                 </a:tc>
               </a:tr>
-              <a:tr h="222792">
-                <a:tc>
-                  <a:txBody>
-                    <a:bodyPr/>
-                    <a:lstStyle/>
-                    <a:p>
-                      <a:pPr algn="r" marL="25400" marR="50800">
-                        <a:spcBef>
-                          <a:spcPts val="200"/>
-                        </a:spcBef>
-                        <a:spcAft>
-                          <a:spcPts val="200"/>
-                        </a:spcAft>
-                        <a:buNone/>
-                      </a:pPr>
-                      <a:r>
-                        <a:rPr sz="1000">
+              <a:tr h="182880">
+                <a:tc>
+                  <a:txBody>
+                    <a:bodyPr/>
+                    <a:lstStyle/>
+                    <a:p>
+                      <a:pPr algn="r" marL="25400" marR="50800">
+                        <a:spcBef>
+                          <a:spcPts val="200"/>
+                        </a:spcBef>
+                        <a:spcAft>
+                          <a:spcPts val="200"/>
+                        </a:spcAft>
+                        <a:buNone/>
+                      </a:pPr>
+                      <a:r>
+                        <a:rPr sz="800">
                           <a:solidFill>
                             <a:srgbClr val="000000">
                               <a:alpha val="100000"/>
@@ -14517,7 +14519,7 @@
                         <a:buNone/>
                       </a:pPr>
                       <a:r>
-                        <a:rPr sz="1000">
+                        <a:rPr sz="800">
                           <a:solidFill>
                             <a:srgbClr val="000000">
                               <a:alpha val="100000"/>
@@ -14568,7 +14570,7 @@
                         <a:buNone/>
                       </a:pPr>
                       <a:r>
-                        <a:rPr sz="1000">
+                        <a:rPr sz="800">
                           <a:solidFill>
                             <a:srgbClr val="000000">
                               <a:alpha val="100000"/>
@@ -14619,7 +14621,7 @@
                         <a:buNone/>
                       </a:pPr>
                       <a:r>
-                        <a:rPr sz="1000">
+                        <a:rPr sz="800">
                           <a:solidFill>
                             <a:srgbClr val="000000">
                               <a:alpha val="100000"/>
@@ -14670,7 +14672,7 @@
                         <a:buNone/>
                       </a:pPr>
                       <a:r>
-                        <a:rPr sz="1000">
+                        <a:rPr sz="800">
                           <a:solidFill>
                             <a:srgbClr val="000000">
                               <a:alpha val="100000"/>
@@ -14721,7 +14723,7 @@
                         <a:buNone/>
                       </a:pPr>
                       <a:r>
-                        <a:rPr sz="1000">
+                        <a:rPr sz="800">
                           <a:solidFill>
                             <a:srgbClr val="000000">
                               <a:alpha val="100000"/>
@@ -14772,7 +14774,7 @@
                         <a:buNone/>
                       </a:pPr>
                       <a:r>
-                        <a:rPr sz="1000">
+                        <a:rPr sz="800">
                           <a:solidFill>
                             <a:srgbClr val="000000">
                               <a:alpha val="100000"/>
@@ -14823,7 +14825,7 @@
                         <a:buNone/>
                       </a:pPr>
                       <a:r>
-                        <a:rPr sz="1000">
+                        <a:rPr sz="800">
                           <a:solidFill>
                             <a:srgbClr val="000000">
                               <a:alpha val="100000"/>
@@ -14874,7 +14876,7 @@
                         <a:buNone/>
                       </a:pPr>
                       <a:r>
-                        <a:rPr sz="1000">
+                        <a:rPr sz="800">
                           <a:solidFill>
                             <a:srgbClr val="000000">
                               <a:alpha val="100000"/>
@@ -14925,7 +14927,7 @@
                         <a:buNone/>
                       </a:pPr>
                       <a:r>
-                        <a:rPr sz="1000">
+                        <a:rPr sz="800">
                           <a:solidFill>
                             <a:srgbClr val="000000">
                               <a:alpha val="100000"/>
@@ -14976,7 +14978,7 @@
                         <a:buNone/>
                       </a:pPr>
                       <a:r>
-                        <a:rPr sz="1000">
+                        <a:rPr sz="800">
                           <a:solidFill>
                             <a:srgbClr val="000000">
                               <a:alpha val="100000"/>
@@ -15013,23 +15015,23 @@
                   </a:tcPr>
                 </a:tc>
               </a:tr>
-              <a:tr h="222792">
-                <a:tc>
-                  <a:txBody>
-                    <a:bodyPr/>
-                    <a:lstStyle/>
-                    <a:p>
-                      <a:pPr algn="r" marL="25400" marR="50800">
-                        <a:spcBef>
-                          <a:spcPts val="200"/>
-                        </a:spcBef>
-                        <a:spcAft>
-                          <a:spcPts val="200"/>
-                        </a:spcAft>
-                        <a:buNone/>
-                      </a:pPr>
-                      <a:r>
-                        <a:rPr sz="1000">
+              <a:tr h="182880">
+                <a:tc>
+                  <a:txBody>
+                    <a:bodyPr/>
+                    <a:lstStyle/>
+                    <a:p>
+                      <a:pPr algn="r" marL="25400" marR="50800">
+                        <a:spcBef>
+                          <a:spcPts val="200"/>
+                        </a:spcBef>
+                        <a:spcAft>
+                          <a:spcPts val="200"/>
+                        </a:spcAft>
+                        <a:buNone/>
+                      </a:pPr>
+                      <a:r>
+                        <a:rPr sz="800">
                           <a:solidFill>
                             <a:srgbClr val="000000">
                               <a:alpha val="100000"/>
@@ -15080,7 +15082,7 @@
                         <a:buNone/>
                       </a:pPr>
                       <a:r>
-                        <a:rPr sz="1000">
+                        <a:rPr sz="800">
                           <a:solidFill>
                             <a:srgbClr val="000000">
                               <a:alpha val="100000"/>
@@ -15131,7 +15133,7 @@
                         <a:buNone/>
                       </a:pPr>
                       <a:r>
-                        <a:rPr sz="1000">
+                        <a:rPr sz="800">
                           <a:solidFill>
                             <a:srgbClr val="000000">
                               <a:alpha val="100000"/>
@@ -15182,7 +15184,7 @@
                         <a:buNone/>
                       </a:pPr>
                       <a:r>
-                        <a:rPr sz="1000">
+                        <a:rPr sz="800">
                           <a:solidFill>
                             <a:srgbClr val="000000">
                               <a:alpha val="100000"/>
@@ -15233,7 +15235,7 @@
                         <a:buNone/>
                       </a:pPr>
                       <a:r>
-                        <a:rPr sz="1000">
+                        <a:rPr sz="800">
                           <a:solidFill>
                             <a:srgbClr val="000000">
                               <a:alpha val="100000"/>
@@ -15284,7 +15286,7 @@
                         <a:buNone/>
                       </a:pPr>
                       <a:r>
-                        <a:rPr sz="1000">
+                        <a:rPr sz="800">
                           <a:solidFill>
                             <a:srgbClr val="000000">
                               <a:alpha val="100000"/>
@@ -15335,7 +15337,7 @@
                         <a:buNone/>
                       </a:pPr>
                       <a:r>
-                        <a:rPr sz="1000">
+                        <a:rPr sz="800">
                           <a:solidFill>
                             <a:srgbClr val="000000">
                               <a:alpha val="100000"/>
@@ -15386,7 +15388,7 @@
                         <a:buNone/>
                       </a:pPr>
                       <a:r>
-                        <a:rPr sz="1000">
+                        <a:rPr sz="800">
                           <a:solidFill>
                             <a:srgbClr val="000000">
                               <a:alpha val="100000"/>
@@ -15437,7 +15439,7 @@
                         <a:buNone/>
                       </a:pPr>
                       <a:r>
-                        <a:rPr sz="1000">
+                        <a:rPr sz="800">
                           <a:solidFill>
                             <a:srgbClr val="000000">
                               <a:alpha val="100000"/>
@@ -15488,7 +15490,7 @@
                         <a:buNone/>
                       </a:pPr>
                       <a:r>
-                        <a:rPr sz="1000">
+                        <a:rPr sz="800">
                           <a:solidFill>
                             <a:srgbClr val="000000">
                               <a:alpha val="100000"/>
@@ -15539,7 +15541,7 @@
                         <a:buNone/>
                       </a:pPr>
                       <a:r>
-                        <a:rPr sz="1000">
+                        <a:rPr sz="800">
                           <a:solidFill>
                             <a:srgbClr val="000000">
                               <a:alpha val="100000"/>
@@ -15576,23 +15578,23 @@
                   </a:tcPr>
                 </a:tc>
               </a:tr>
-              <a:tr h="222792">
-                <a:tc>
-                  <a:txBody>
-                    <a:bodyPr/>
-                    <a:lstStyle/>
-                    <a:p>
-                      <a:pPr algn="r" marL="25400" marR="50800">
-                        <a:spcBef>
-                          <a:spcPts val="200"/>
-                        </a:spcBef>
-                        <a:spcAft>
-                          <a:spcPts val="200"/>
-                        </a:spcAft>
-                        <a:buNone/>
-                      </a:pPr>
-                      <a:r>
-                        <a:rPr sz="1000">
+              <a:tr h="182880">
+                <a:tc>
+                  <a:txBody>
+                    <a:bodyPr/>
+                    <a:lstStyle/>
+                    <a:p>
+                      <a:pPr algn="r" marL="25400" marR="50800">
+                        <a:spcBef>
+                          <a:spcPts val="200"/>
+                        </a:spcBef>
+                        <a:spcAft>
+                          <a:spcPts val="200"/>
+                        </a:spcAft>
+                        <a:buNone/>
+                      </a:pPr>
+                      <a:r>
+                        <a:rPr sz="800">
                           <a:solidFill>
                             <a:srgbClr val="000000">
                               <a:alpha val="100000"/>
@@ -15643,7 +15645,7 @@
                         <a:buNone/>
                       </a:pPr>
                       <a:r>
-                        <a:rPr sz="1000">
+                        <a:rPr sz="800">
                           <a:solidFill>
                             <a:srgbClr val="000000">
                               <a:alpha val="100000"/>
@@ -15694,7 +15696,7 @@
                         <a:buNone/>
                       </a:pPr>
                       <a:r>
-                        <a:rPr sz="1000">
+                        <a:rPr sz="800">
                           <a:solidFill>
                             <a:srgbClr val="000000">
                               <a:alpha val="100000"/>
@@ -15745,7 +15747,7 @@
                         <a:buNone/>
                       </a:pPr>
                       <a:r>
-                        <a:rPr sz="1000">
+                        <a:rPr sz="800">
                           <a:solidFill>
                             <a:srgbClr val="000000">
                               <a:alpha val="100000"/>
@@ -15796,7 +15798,7 @@
                         <a:buNone/>
                       </a:pPr>
                       <a:r>
-                        <a:rPr sz="1000">
+                        <a:rPr sz="800">
                           <a:solidFill>
                             <a:srgbClr val="000000">
                               <a:alpha val="100000"/>
@@ -15847,7 +15849,7 @@
                         <a:buNone/>
                       </a:pPr>
                       <a:r>
-                        <a:rPr sz="1000">
+                        <a:rPr sz="800">
                           <a:solidFill>
                             <a:srgbClr val="000000">
                               <a:alpha val="100000"/>
@@ -15898,7 +15900,7 @@
                         <a:buNone/>
                       </a:pPr>
                       <a:r>
-                        <a:rPr sz="1000">
+                        <a:rPr sz="800">
                           <a:solidFill>
                             <a:srgbClr val="000000">
                               <a:alpha val="100000"/>
@@ -15949,7 +15951,7 @@
                         <a:buNone/>
                       </a:pPr>
                       <a:r>
-                        <a:rPr sz="1000">
+                        <a:rPr sz="800">
                           <a:solidFill>
                             <a:srgbClr val="000000">
                               <a:alpha val="100000"/>
@@ -16000,7 +16002,7 @@
                         <a:buNone/>
                       </a:pPr>
                       <a:r>
-                        <a:rPr sz="1000">
+                        <a:rPr sz="800">
                           <a:solidFill>
                             <a:srgbClr val="000000">
                               <a:alpha val="100000"/>
@@ -16051,7 +16053,7 @@
                         <a:buNone/>
                       </a:pPr>
                       <a:r>
-                        <a:rPr sz="1000">
+                        <a:rPr sz="800">
                           <a:solidFill>
                             <a:srgbClr val="000000">
                               <a:alpha val="100000"/>
@@ -16102,7 +16104,7 @@
                         <a:buNone/>
                       </a:pPr>
                       <a:r>
-                        <a:rPr sz="1000">
+                        <a:rPr sz="800">
                           <a:solidFill>
                             <a:srgbClr val="000000">
                               <a:alpha val="100000"/>
@@ -16139,23 +16141,23 @@
                   </a:tcPr>
                 </a:tc>
               </a:tr>
-              <a:tr h="222792">
-                <a:tc>
-                  <a:txBody>
-                    <a:bodyPr/>
-                    <a:lstStyle/>
-                    <a:p>
-                      <a:pPr algn="r" marL="25400" marR="50800">
-                        <a:spcBef>
-                          <a:spcPts val="200"/>
-                        </a:spcBef>
-                        <a:spcAft>
-                          <a:spcPts val="200"/>
-                        </a:spcAft>
-                        <a:buNone/>
-                      </a:pPr>
-                      <a:r>
-                        <a:rPr sz="1000">
+              <a:tr h="182880">
+                <a:tc>
+                  <a:txBody>
+                    <a:bodyPr/>
+                    <a:lstStyle/>
+                    <a:p>
+                      <a:pPr algn="r" marL="25400" marR="50800">
+                        <a:spcBef>
+                          <a:spcPts val="200"/>
+                        </a:spcBef>
+                        <a:spcAft>
+                          <a:spcPts val="200"/>
+                        </a:spcAft>
+                        <a:buNone/>
+                      </a:pPr>
+                      <a:r>
+                        <a:rPr sz="800">
                           <a:solidFill>
                             <a:srgbClr val="000000">
                               <a:alpha val="100000"/>
@@ -16206,7 +16208,7 @@
                         <a:buNone/>
                       </a:pPr>
                       <a:r>
-                        <a:rPr sz="1000">
+                        <a:rPr sz="800">
                           <a:solidFill>
                             <a:srgbClr val="000000">
                               <a:alpha val="100000"/>
@@ -16257,7 +16259,7 @@
                         <a:buNone/>
                       </a:pPr>
                       <a:r>
-                        <a:rPr sz="1000">
+                        <a:rPr sz="800">
                           <a:solidFill>
                             <a:srgbClr val="000000">
                               <a:alpha val="100000"/>
@@ -16308,7 +16310,7 @@
                         <a:buNone/>
                       </a:pPr>
                       <a:r>
-                        <a:rPr sz="1000">
+                        <a:rPr sz="800">
                           <a:solidFill>
                             <a:srgbClr val="000000">
                               <a:alpha val="100000"/>
@@ -16359,7 +16361,7 @@
                         <a:buNone/>
                       </a:pPr>
                       <a:r>
-                        <a:rPr sz="1000">
+                        <a:rPr sz="800">
                           <a:solidFill>
                             <a:srgbClr val="000000">
                               <a:alpha val="100000"/>
@@ -16410,7 +16412,7 @@
                         <a:buNone/>
                       </a:pPr>
                       <a:r>
-                        <a:rPr sz="1000">
+                        <a:rPr sz="800">
                           <a:solidFill>
                             <a:srgbClr val="000000">
                               <a:alpha val="100000"/>
@@ -16461,7 +16463,7 @@
                         <a:buNone/>
                       </a:pPr>
                       <a:r>
-                        <a:rPr sz="1000">
+                        <a:rPr sz="800">
                           <a:solidFill>
                             <a:srgbClr val="000000">
                               <a:alpha val="100000"/>
@@ -16512,7 +16514,7 @@
                         <a:buNone/>
                       </a:pPr>
                       <a:r>
-                        <a:rPr sz="1000">
+                        <a:rPr sz="800">
                           <a:solidFill>
                             <a:srgbClr val="000000">
                               <a:alpha val="100000"/>
@@ -16563,7 +16565,7 @@
                         <a:buNone/>
                       </a:pPr>
                       <a:r>
-                        <a:rPr sz="1000">
+                        <a:rPr sz="800">
                           <a:solidFill>
                             <a:srgbClr val="000000">
                               <a:alpha val="100000"/>
@@ -16614,7 +16616,7 @@
                         <a:buNone/>
                       </a:pPr>
                       <a:r>
-                        <a:rPr sz="1000">
+                        <a:rPr sz="800">
                           <a:solidFill>
                             <a:srgbClr val="000000">
                               <a:alpha val="100000"/>
@@ -16665,7 +16667,7 @@
                         <a:buNone/>
                       </a:pPr>
                       <a:r>
-                        <a:rPr sz="1000">
+                        <a:rPr sz="800">
                           <a:solidFill>
                             <a:srgbClr val="000000">
                               <a:alpha val="100000"/>
@@ -16702,23 +16704,23 @@
                   </a:tcPr>
                 </a:tc>
               </a:tr>
-              <a:tr h="222792">
-                <a:tc>
-                  <a:txBody>
-                    <a:bodyPr/>
-                    <a:lstStyle/>
-                    <a:p>
-                      <a:pPr algn="r" marL="25400" marR="50800">
-                        <a:spcBef>
-                          <a:spcPts val="200"/>
-                        </a:spcBef>
-                        <a:spcAft>
-                          <a:spcPts val="200"/>
-                        </a:spcAft>
-                        <a:buNone/>
-                      </a:pPr>
-                      <a:r>
-                        <a:rPr sz="1000">
+              <a:tr h="182880">
+                <a:tc>
+                  <a:txBody>
+                    <a:bodyPr/>
+                    <a:lstStyle/>
+                    <a:p>
+                      <a:pPr algn="r" marL="25400" marR="50800">
+                        <a:spcBef>
+                          <a:spcPts val="200"/>
+                        </a:spcBef>
+                        <a:spcAft>
+                          <a:spcPts val="200"/>
+                        </a:spcAft>
+                        <a:buNone/>
+                      </a:pPr>
+                      <a:r>
+                        <a:rPr sz="800">
                           <a:solidFill>
                             <a:srgbClr val="000000">
                               <a:alpha val="100000"/>
@@ -16769,7 +16771,7 @@
                         <a:buNone/>
                       </a:pPr>
                       <a:r>
-                        <a:rPr sz="1000">
+                        <a:rPr sz="800">
                           <a:solidFill>
                             <a:srgbClr val="000000">
                               <a:alpha val="100000"/>
@@ -16820,7 +16822,7 @@
                         <a:buNone/>
                       </a:pPr>
                       <a:r>
-                        <a:rPr sz="1000">
+                        <a:rPr sz="800">
                           <a:solidFill>
                             <a:srgbClr val="000000">
                               <a:alpha val="100000"/>
@@ -16871,7 +16873,7 @@
                         <a:buNone/>
                       </a:pPr>
                       <a:r>
-                        <a:rPr sz="1000">
+                        <a:rPr sz="800">
                           <a:solidFill>
                             <a:srgbClr val="000000">
                               <a:alpha val="100000"/>
@@ -16922,7 +16924,7 @@
                         <a:buNone/>
                       </a:pPr>
                       <a:r>
-                        <a:rPr sz="1000">
+                        <a:rPr sz="800">
                           <a:solidFill>
                             <a:srgbClr val="000000">
                               <a:alpha val="100000"/>
@@ -16973,7 +16975,7 @@
                         <a:buNone/>
                       </a:pPr>
                       <a:r>
-                        <a:rPr sz="1000">
+                        <a:rPr sz="800">
                           <a:solidFill>
                             <a:srgbClr val="000000">
                               <a:alpha val="100000"/>
@@ -17024,7 +17026,7 @@
                         <a:buNone/>
                       </a:pPr>
                       <a:r>
-                        <a:rPr sz="1000">
+                        <a:rPr sz="800">
                           <a:solidFill>
                             <a:srgbClr val="000000">
                               <a:alpha val="100000"/>
@@ -17075,7 +17077,7 @@
                         <a:buNone/>
                       </a:pPr>
                       <a:r>
-                        <a:rPr sz="1000">
+                        <a:rPr sz="800">
                           <a:solidFill>
                             <a:srgbClr val="000000">
                               <a:alpha val="100000"/>
@@ -17126,7 +17128,7 @@
                         <a:buNone/>
                       </a:pPr>
                       <a:r>
-                        <a:rPr sz="1000">
+                        <a:rPr sz="800">
                           <a:solidFill>
                             <a:srgbClr val="000000">
                               <a:alpha val="100000"/>
@@ -17177,7 +17179,7 @@
                         <a:buNone/>
                       </a:pPr>
                       <a:r>
-                        <a:rPr sz="1000">
+                        <a:rPr sz="800">
                           <a:solidFill>
                             <a:srgbClr val="000000">
                               <a:alpha val="100000"/>
@@ -17228,7 +17230,7 @@
                         <a:buNone/>
                       </a:pPr>
                       <a:r>
-                        <a:rPr sz="1000">
+                        <a:rPr sz="800">
                           <a:solidFill>
                             <a:srgbClr val="000000">
                               <a:alpha val="100000"/>
@@ -17265,23 +17267,23 @@
                   </a:tcPr>
                 </a:tc>
               </a:tr>
-              <a:tr h="222792">
-                <a:tc>
-                  <a:txBody>
-                    <a:bodyPr/>
-                    <a:lstStyle/>
-                    <a:p>
-                      <a:pPr algn="r" marL="25400" marR="50800">
-                        <a:spcBef>
-                          <a:spcPts val="200"/>
-                        </a:spcBef>
-                        <a:spcAft>
-                          <a:spcPts val="200"/>
-                        </a:spcAft>
-                        <a:buNone/>
-                      </a:pPr>
-                      <a:r>
-                        <a:rPr sz="1000">
+              <a:tr h="182880">
+                <a:tc>
+                  <a:txBody>
+                    <a:bodyPr/>
+                    <a:lstStyle/>
+                    <a:p>
+                      <a:pPr algn="r" marL="25400" marR="50800">
+                        <a:spcBef>
+                          <a:spcPts val="200"/>
+                        </a:spcBef>
+                        <a:spcAft>
+                          <a:spcPts val="200"/>
+                        </a:spcAft>
+                        <a:buNone/>
+                      </a:pPr>
+                      <a:r>
+                        <a:rPr sz="800">
                           <a:solidFill>
                             <a:srgbClr val="000000">
                               <a:alpha val="100000"/>
@@ -17332,7 +17334,7 @@
                         <a:buNone/>
                       </a:pPr>
                       <a:r>
-                        <a:rPr sz="1000">
+                        <a:rPr sz="800">
                           <a:solidFill>
                             <a:srgbClr val="000000">
                               <a:alpha val="100000"/>
@@ -17383,7 +17385,7 @@
                         <a:buNone/>
                       </a:pPr>
                       <a:r>
-                        <a:rPr sz="1000">
+                        <a:rPr sz="800">
                           <a:solidFill>
                             <a:srgbClr val="000000">
                               <a:alpha val="100000"/>
@@ -17434,7 +17436,7 @@
                         <a:buNone/>
                       </a:pPr>
                       <a:r>
-                        <a:rPr sz="1000">
+                        <a:rPr sz="800">
                           <a:solidFill>
                             <a:srgbClr val="000000">
                               <a:alpha val="100000"/>
@@ -17485,7 +17487,7 @@
                         <a:buNone/>
                       </a:pPr>
                       <a:r>
-                        <a:rPr sz="1000">
+                        <a:rPr sz="800">
                           <a:solidFill>
                             <a:srgbClr val="000000">
                               <a:alpha val="100000"/>
@@ -17536,7 +17538,7 @@
                         <a:buNone/>
                       </a:pPr>
                       <a:r>
-                        <a:rPr sz="1000">
+                        <a:rPr sz="800">
                           <a:solidFill>
                             <a:srgbClr val="000000">
                               <a:alpha val="100000"/>
@@ -17587,7 +17589,7 @@
                         <a:buNone/>
                       </a:pPr>
                       <a:r>
-                        <a:rPr sz="1000">
+                        <a:rPr sz="800">
                           <a:solidFill>
                             <a:srgbClr val="000000">
                               <a:alpha val="100000"/>
@@ -17638,7 +17640,7 @@
                         <a:buNone/>
                       </a:pPr>
                       <a:r>
-                        <a:rPr sz="1000">
+                        <a:rPr sz="800">
                           <a:solidFill>
                             <a:srgbClr val="000000">
                               <a:alpha val="100000"/>
@@ -17689,7 +17691,7 @@
                         <a:buNone/>
                       </a:pPr>
                       <a:r>
-                        <a:rPr sz="1000">
+                        <a:rPr sz="800">
                           <a:solidFill>
                             <a:srgbClr val="000000">
                               <a:alpha val="100000"/>
@@ -17740,7 +17742,7 @@
                         <a:buNone/>
                       </a:pPr>
                       <a:r>
-                        <a:rPr sz="1000">
+                        <a:rPr sz="800">
                           <a:solidFill>
                             <a:srgbClr val="000000">
                               <a:alpha val="100000"/>
@@ -17791,7 +17793,7 @@
                         <a:buNone/>
                       </a:pPr>
                       <a:r>
-                        <a:rPr sz="1000">
+                        <a:rPr sz="800">
                           <a:solidFill>
                             <a:srgbClr val="000000">
                               <a:alpha val="100000"/>
@@ -17828,23 +17830,23 @@
                   </a:tcPr>
                 </a:tc>
               </a:tr>
-              <a:tr h="222792">
-                <a:tc>
-                  <a:txBody>
-                    <a:bodyPr/>
-                    <a:lstStyle/>
-                    <a:p>
-                      <a:pPr algn="r" marL="25400" marR="50800">
-                        <a:spcBef>
-                          <a:spcPts val="200"/>
-                        </a:spcBef>
-                        <a:spcAft>
-                          <a:spcPts val="200"/>
-                        </a:spcAft>
-                        <a:buNone/>
-                      </a:pPr>
-                      <a:r>
-                        <a:rPr sz="1000">
+              <a:tr h="182880">
+                <a:tc>
+                  <a:txBody>
+                    <a:bodyPr/>
+                    <a:lstStyle/>
+                    <a:p>
+                      <a:pPr algn="r" marL="25400" marR="50800">
+                        <a:spcBef>
+                          <a:spcPts val="200"/>
+                        </a:spcBef>
+                        <a:spcAft>
+                          <a:spcPts val="200"/>
+                        </a:spcAft>
+                        <a:buNone/>
+                      </a:pPr>
+                      <a:r>
+                        <a:rPr sz="800">
                           <a:solidFill>
                             <a:srgbClr val="000000">
                               <a:alpha val="100000"/>
@@ -17895,7 +17897,7 @@
                         <a:buNone/>
                       </a:pPr>
                       <a:r>
-                        <a:rPr sz="1000">
+                        <a:rPr sz="800">
                           <a:solidFill>
                             <a:srgbClr val="000000">
                               <a:alpha val="100000"/>
@@ -17946,7 +17948,7 @@
                         <a:buNone/>
                       </a:pPr>
                       <a:r>
-                        <a:rPr sz="1000">
+                        <a:rPr sz="800">
                           <a:solidFill>
                             <a:srgbClr val="000000">
                               <a:alpha val="100000"/>
@@ -17997,7 +17999,7 @@
                         <a:buNone/>
                       </a:pPr>
                       <a:r>
-                        <a:rPr sz="1000">
+                        <a:rPr sz="800">
                           <a:solidFill>
                             <a:srgbClr val="000000">
                               <a:alpha val="100000"/>
@@ -18048,7 +18050,7 @@
                         <a:buNone/>
                       </a:pPr>
                       <a:r>
-                        <a:rPr sz="1000">
+                        <a:rPr sz="800">
                           <a:solidFill>
                             <a:srgbClr val="000000">
                               <a:alpha val="100000"/>
@@ -18099,7 +18101,7 @@
                         <a:buNone/>
                       </a:pPr>
                       <a:r>
-                        <a:rPr sz="1000">
+                        <a:rPr sz="800">
                           <a:solidFill>
                             <a:srgbClr val="000000">
                               <a:alpha val="100000"/>
@@ -18150,7 +18152,7 @@
                         <a:buNone/>
                       </a:pPr>
                       <a:r>
-                        <a:rPr sz="1000">
+                        <a:rPr sz="800">
                           <a:solidFill>
                             <a:srgbClr val="000000">
                               <a:alpha val="100000"/>
@@ -18201,7 +18203,7 @@
                         <a:buNone/>
                       </a:pPr>
                       <a:r>
-                        <a:rPr sz="1000">
+                        <a:rPr sz="800">
                           <a:solidFill>
                             <a:srgbClr val="000000">
                               <a:alpha val="100000"/>
@@ -18252,7 +18254,7 @@
                         <a:buNone/>
                       </a:pPr>
                       <a:r>
-                        <a:rPr sz="1000">
+                        <a:rPr sz="800">
                           <a:solidFill>
                             <a:srgbClr val="000000">
                               <a:alpha val="100000"/>
@@ -18303,7 +18305,7 @@
                         <a:buNone/>
                       </a:pPr>
                       <a:r>
-                        <a:rPr sz="1000">
+                        <a:rPr sz="800">
                           <a:solidFill>
                             <a:srgbClr val="000000">
                               <a:alpha val="100000"/>
@@ -18354,7 +18356,7 @@
                         <a:buNone/>
                       </a:pPr>
                       <a:r>
-                        <a:rPr sz="1000">
+                        <a:rPr sz="800">
                           <a:solidFill>
                             <a:srgbClr val="000000">
                               <a:alpha val="100000"/>
@@ -18391,23 +18393,23 @@
                   </a:tcPr>
                 </a:tc>
               </a:tr>
-              <a:tr h="222792">
-                <a:tc>
-                  <a:txBody>
-                    <a:bodyPr/>
-                    <a:lstStyle/>
-                    <a:p>
-                      <a:pPr algn="r" marL="25400" marR="50800">
-                        <a:spcBef>
-                          <a:spcPts val="200"/>
-                        </a:spcBef>
-                        <a:spcAft>
-                          <a:spcPts val="200"/>
-                        </a:spcAft>
-                        <a:buNone/>
-                      </a:pPr>
-                      <a:r>
-                        <a:rPr sz="1000">
+              <a:tr h="182880">
+                <a:tc>
+                  <a:txBody>
+                    <a:bodyPr/>
+                    <a:lstStyle/>
+                    <a:p>
+                      <a:pPr algn="r" marL="25400" marR="50800">
+                        <a:spcBef>
+                          <a:spcPts val="200"/>
+                        </a:spcBef>
+                        <a:spcAft>
+                          <a:spcPts val="200"/>
+                        </a:spcAft>
+                        <a:buNone/>
+                      </a:pPr>
+                      <a:r>
+                        <a:rPr sz="800">
                           <a:solidFill>
                             <a:srgbClr val="000000">
                               <a:alpha val="100000"/>
@@ -18458,7 +18460,7 @@
                         <a:buNone/>
                       </a:pPr>
                       <a:r>
-                        <a:rPr sz="1000">
+                        <a:rPr sz="800">
                           <a:solidFill>
                             <a:srgbClr val="000000">
                               <a:alpha val="100000"/>
@@ -18509,7 +18511,7 @@
                         <a:buNone/>
                       </a:pPr>
                       <a:r>
-                        <a:rPr sz="1000">
+                        <a:rPr sz="800">
                           <a:solidFill>
                             <a:srgbClr val="000000">
                               <a:alpha val="100000"/>
@@ -18560,7 +18562,7 @@
                         <a:buNone/>
                       </a:pPr>
                       <a:r>
-                        <a:rPr sz="1000">
+                        <a:rPr sz="800">
                           <a:solidFill>
                             <a:srgbClr val="000000">
                               <a:alpha val="100000"/>
@@ -18611,7 +18613,7 @@
                         <a:buNone/>
                       </a:pPr>
                       <a:r>
-                        <a:rPr sz="1000">
+                        <a:rPr sz="800">
                           <a:solidFill>
                             <a:srgbClr val="000000">
                               <a:alpha val="100000"/>
@@ -18662,7 +18664,7 @@
                         <a:buNone/>
                       </a:pPr>
                       <a:r>
-                        <a:rPr sz="1000">
+                        <a:rPr sz="800">
                           <a:solidFill>
                             <a:srgbClr val="000000">
                               <a:alpha val="100000"/>
@@ -18713,7 +18715,7 @@
                         <a:buNone/>
                       </a:pPr>
                       <a:r>
-                        <a:rPr sz="1000">
+                        <a:rPr sz="800">
                           <a:solidFill>
                             <a:srgbClr val="000000">
                               <a:alpha val="100000"/>
@@ -18764,7 +18766,7 @@
                         <a:buNone/>
                       </a:pPr>
                       <a:r>
-                        <a:rPr sz="1000">
+                        <a:rPr sz="800">
                           <a:solidFill>
                             <a:srgbClr val="000000">
                               <a:alpha val="100000"/>
@@ -18815,7 +18817,7 @@
                         <a:buNone/>
                       </a:pPr>
                       <a:r>
-                        <a:rPr sz="1000">
+                        <a:rPr sz="800">
                           <a:solidFill>
                             <a:srgbClr val="000000">
                               <a:alpha val="100000"/>
@@ -18866,7 +18868,7 @@
                         <a:buNone/>
                       </a:pPr>
                       <a:r>
-                        <a:rPr sz="1000">
+                        <a:rPr sz="800">
                           <a:solidFill>
                             <a:srgbClr val="000000">
                               <a:alpha val="100000"/>
@@ -18917,7 +18919,7 @@
                         <a:buNone/>
                       </a:pPr>
                       <a:r>
-                        <a:rPr sz="1000">
+                        <a:rPr sz="800">
                           <a:solidFill>
                             <a:srgbClr val="000000">
                               <a:alpha val="100000"/>
@@ -18954,23 +18956,23 @@
                   </a:tcPr>
                 </a:tc>
               </a:tr>
-              <a:tr h="222792">
-                <a:tc>
-                  <a:txBody>
-                    <a:bodyPr/>
-                    <a:lstStyle/>
-                    <a:p>
-                      <a:pPr algn="r" marL="25400" marR="50800">
-                        <a:spcBef>
-                          <a:spcPts val="200"/>
-                        </a:spcBef>
-                        <a:spcAft>
-                          <a:spcPts val="200"/>
-                        </a:spcAft>
-                        <a:buNone/>
-                      </a:pPr>
-                      <a:r>
-                        <a:rPr sz="1000">
+              <a:tr h="182880">
+                <a:tc>
+                  <a:txBody>
+                    <a:bodyPr/>
+                    <a:lstStyle/>
+                    <a:p>
+                      <a:pPr algn="r" marL="25400" marR="50800">
+                        <a:spcBef>
+                          <a:spcPts val="200"/>
+                        </a:spcBef>
+                        <a:spcAft>
+                          <a:spcPts val="200"/>
+                        </a:spcAft>
+                        <a:buNone/>
+                      </a:pPr>
+                      <a:r>
+                        <a:rPr sz="800">
                           <a:solidFill>
                             <a:srgbClr val="000000">
                               <a:alpha val="100000"/>
@@ -19021,7 +19023,7 @@
                         <a:buNone/>
                       </a:pPr>
                       <a:r>
-                        <a:rPr sz="1000">
+                        <a:rPr sz="800">
                           <a:solidFill>
                             <a:srgbClr val="000000">
                               <a:alpha val="100000"/>
@@ -19072,7 +19074,7 @@
                         <a:buNone/>
                       </a:pPr>
                       <a:r>
-                        <a:rPr sz="1000">
+                        <a:rPr sz="800">
                           <a:solidFill>
                             <a:srgbClr val="000000">
                               <a:alpha val="100000"/>
@@ -19123,7 +19125,7 @@
                         <a:buNone/>
                       </a:pPr>
                       <a:r>
-                        <a:rPr sz="1000">
+                        <a:rPr sz="800">
                           <a:solidFill>
                             <a:srgbClr val="000000">
                               <a:alpha val="100000"/>
@@ -19174,7 +19176,7 @@
                         <a:buNone/>
                       </a:pPr>
                       <a:r>
-                        <a:rPr sz="1000">
+                        <a:rPr sz="800">
                           <a:solidFill>
                             <a:srgbClr val="000000">
                               <a:alpha val="100000"/>
@@ -19225,7 +19227,7 @@
                         <a:buNone/>
                       </a:pPr>
                       <a:r>
-                        <a:rPr sz="1000">
+                        <a:rPr sz="800">
                           <a:solidFill>
                             <a:srgbClr val="000000">
                               <a:alpha val="100000"/>
@@ -19276,7 +19278,7 @@
                         <a:buNone/>
                       </a:pPr>
                       <a:r>
-                        <a:rPr sz="1000">
+                        <a:rPr sz="800">
                           <a:solidFill>
                             <a:srgbClr val="000000">
                               <a:alpha val="100000"/>
@@ -19327,7 +19329,7 @@
                         <a:buNone/>
                       </a:pPr>
                       <a:r>
-                        <a:rPr sz="1000">
+                        <a:rPr sz="800">
                           <a:solidFill>
                             <a:srgbClr val="000000">
                               <a:alpha val="100000"/>
@@ -19378,7 +19380,7 @@
                         <a:buNone/>
                       </a:pPr>
                       <a:r>
-                        <a:rPr sz="1000">
+                        <a:rPr sz="800">
                           <a:solidFill>
                             <a:srgbClr val="000000">
                               <a:alpha val="100000"/>
@@ -19429,7 +19431,7 @@
                         <a:buNone/>
                       </a:pPr>
                       <a:r>
-                        <a:rPr sz="1000">
+                        <a:rPr sz="800">
                           <a:solidFill>
                             <a:srgbClr val="000000">
                               <a:alpha val="100000"/>
@@ -19480,7 +19482,7 @@
                         <a:buNone/>
                       </a:pPr>
                       <a:r>
-                        <a:rPr sz="1000">
+                        <a:rPr sz="800">
                           <a:solidFill>
                             <a:srgbClr val="000000">
                               <a:alpha val="100000"/>
@@ -19517,23 +19519,23 @@
                   </a:tcPr>
                 </a:tc>
               </a:tr>
-              <a:tr h="222792">
-                <a:tc>
-                  <a:txBody>
-                    <a:bodyPr/>
-                    <a:lstStyle/>
-                    <a:p>
-                      <a:pPr algn="r" marL="25400" marR="50800">
-                        <a:spcBef>
-                          <a:spcPts val="200"/>
-                        </a:spcBef>
-                        <a:spcAft>
-                          <a:spcPts val="200"/>
-                        </a:spcAft>
-                        <a:buNone/>
-                      </a:pPr>
-                      <a:r>
-                        <a:rPr sz="1000">
+              <a:tr h="182880">
+                <a:tc>
+                  <a:txBody>
+                    <a:bodyPr/>
+                    <a:lstStyle/>
+                    <a:p>
+                      <a:pPr algn="r" marL="25400" marR="50800">
+                        <a:spcBef>
+                          <a:spcPts val="200"/>
+                        </a:spcBef>
+                        <a:spcAft>
+                          <a:spcPts val="200"/>
+                        </a:spcAft>
+                        <a:buNone/>
+                      </a:pPr>
+                      <a:r>
+                        <a:rPr sz="800">
                           <a:solidFill>
                             <a:srgbClr val="000000">
                               <a:alpha val="100000"/>
@@ -19584,7 +19586,7 @@
                         <a:buNone/>
                       </a:pPr>
                       <a:r>
-                        <a:rPr sz="1000">
+                        <a:rPr sz="800">
                           <a:solidFill>
                             <a:srgbClr val="000000">
                               <a:alpha val="100000"/>
@@ -19635,7 +19637,7 @@
                         <a:buNone/>
                       </a:pPr>
                       <a:r>
-                        <a:rPr sz="1000">
+                        <a:rPr sz="800">
                           <a:solidFill>
                             <a:srgbClr val="000000">
                               <a:alpha val="100000"/>
@@ -19686,7 +19688,7 @@
                         <a:buNone/>
                       </a:pPr>
                       <a:r>
-                        <a:rPr sz="1000">
+                        <a:rPr sz="800">
                           <a:solidFill>
                             <a:srgbClr val="000000">
                               <a:alpha val="100000"/>
@@ -19737,7 +19739,7 @@
                         <a:buNone/>
                       </a:pPr>
                       <a:r>
-                        <a:rPr sz="1000">
+                        <a:rPr sz="800">
                           <a:solidFill>
                             <a:srgbClr val="000000">
                               <a:alpha val="100000"/>
@@ -19788,7 +19790,7 @@
                         <a:buNone/>
                       </a:pPr>
                       <a:r>
-                        <a:rPr sz="1000">
+                        <a:rPr sz="800">
                           <a:solidFill>
                             <a:srgbClr val="000000">
                               <a:alpha val="100000"/>
@@ -19839,7 +19841,7 @@
                         <a:buNone/>
                       </a:pPr>
                       <a:r>
-                        <a:rPr sz="1000">
+                        <a:rPr sz="800">
                           <a:solidFill>
                             <a:srgbClr val="000000">
                               <a:alpha val="100000"/>
@@ -19890,7 +19892,7 @@
                         <a:buNone/>
                       </a:pPr>
                       <a:r>
-                        <a:rPr sz="1000">
+                        <a:rPr sz="800">
                           <a:solidFill>
                             <a:srgbClr val="000000">
                               <a:alpha val="100000"/>
@@ -19941,7 +19943,7 @@
                         <a:buNone/>
                       </a:pPr>
                       <a:r>
-                        <a:rPr sz="1000">
+                        <a:rPr sz="800">
                           <a:solidFill>
                             <a:srgbClr val="000000">
                               <a:alpha val="100000"/>
@@ -19992,7 +19994,7 @@
                         <a:buNone/>
                       </a:pPr>
                       <a:r>
-                        <a:rPr sz="1000">
+                        <a:rPr sz="800">
                           <a:solidFill>
                             <a:srgbClr val="000000">
                               <a:alpha val="100000"/>
@@ -20043,7 +20045,7 @@
                         <a:buNone/>
                       </a:pPr>
                       <a:r>
-                        <a:rPr sz="1000">
+                        <a:rPr sz="800">
                           <a:solidFill>
                             <a:srgbClr val="000000">
                               <a:alpha val="100000"/>
@@ -20080,23 +20082,23 @@
                   </a:tcPr>
                 </a:tc>
               </a:tr>
-              <a:tr h="222792">
-                <a:tc>
-                  <a:txBody>
-                    <a:bodyPr/>
-                    <a:lstStyle/>
-                    <a:p>
-                      <a:pPr algn="r" marL="25400" marR="50800">
-                        <a:spcBef>
-                          <a:spcPts val="200"/>
-                        </a:spcBef>
-                        <a:spcAft>
-                          <a:spcPts val="200"/>
-                        </a:spcAft>
-                        <a:buNone/>
-                      </a:pPr>
-                      <a:r>
-                        <a:rPr sz="1000">
+              <a:tr h="182880">
+                <a:tc>
+                  <a:txBody>
+                    <a:bodyPr/>
+                    <a:lstStyle/>
+                    <a:p>
+                      <a:pPr algn="r" marL="25400" marR="50800">
+                        <a:spcBef>
+                          <a:spcPts val="200"/>
+                        </a:spcBef>
+                        <a:spcAft>
+                          <a:spcPts val="200"/>
+                        </a:spcAft>
+                        <a:buNone/>
+                      </a:pPr>
+                      <a:r>
+                        <a:rPr sz="800">
                           <a:solidFill>
                             <a:srgbClr val="000000">
                               <a:alpha val="100000"/>
@@ -20147,7 +20149,7 @@
                         <a:buNone/>
                       </a:pPr>
                       <a:r>
-                        <a:rPr sz="1000">
+                        <a:rPr sz="800">
                           <a:solidFill>
                             <a:srgbClr val="000000">
                               <a:alpha val="100000"/>
@@ -20198,7 +20200,7 @@
                         <a:buNone/>
                       </a:pPr>
                       <a:r>
-                        <a:rPr sz="1000">
+                        <a:rPr sz="800">
                           <a:solidFill>
                             <a:srgbClr val="000000">
                               <a:alpha val="100000"/>
@@ -20249,7 +20251,7 @@
                         <a:buNone/>
                       </a:pPr>
                       <a:r>
-                        <a:rPr sz="1000">
+                        <a:rPr sz="800">
                           <a:solidFill>
                             <a:srgbClr val="000000">
                               <a:alpha val="100000"/>
@@ -20300,7 +20302,7 @@
                         <a:buNone/>
                       </a:pPr>
                       <a:r>
-                        <a:rPr sz="1000">
+                        <a:rPr sz="800">
                           <a:solidFill>
                             <a:srgbClr val="000000">
                               <a:alpha val="100000"/>
@@ -20351,7 +20353,7 @@
                         <a:buNone/>
                       </a:pPr>
                       <a:r>
-                        <a:rPr sz="1000">
+                        <a:rPr sz="800">
                           <a:solidFill>
                             <a:srgbClr val="000000">
                               <a:alpha val="100000"/>
@@ -20402,7 +20404,7 @@
                         <a:buNone/>
                       </a:pPr>
                       <a:r>
-                        <a:rPr sz="1000">
+                        <a:rPr sz="800">
                           <a:solidFill>
                             <a:srgbClr val="000000">
                               <a:alpha val="100000"/>
@@ -20453,7 +20455,7 @@
                         <a:buNone/>
                       </a:pPr>
                       <a:r>
-                        <a:rPr sz="1000">
+                        <a:rPr sz="800">
                           <a:solidFill>
                             <a:srgbClr val="000000">
                               <a:alpha val="100000"/>
@@ -20504,7 +20506,7 @@
                         <a:buNone/>
                       </a:pPr>
                       <a:r>
-                        <a:rPr sz="1000">
+                        <a:rPr sz="800">
                           <a:solidFill>
                             <a:srgbClr val="000000">
                               <a:alpha val="100000"/>
@@ -20555,7 +20557,7 @@
                         <a:buNone/>
                       </a:pPr>
                       <a:r>
-                        <a:rPr sz="1000">
+                        <a:rPr sz="800">
                           <a:solidFill>
                             <a:srgbClr val="000000">
                               <a:alpha val="100000"/>
@@ -20606,7 +20608,7 @@
                         <a:buNone/>
                       </a:pPr>
                       <a:r>
-                        <a:rPr sz="1000">
+                        <a:rPr sz="800">
                           <a:solidFill>
                             <a:srgbClr val="000000">
                               <a:alpha val="100000"/>
@@ -20643,23 +20645,23 @@
                   </a:tcPr>
                 </a:tc>
               </a:tr>
-              <a:tr h="222792">
-                <a:tc>
-                  <a:txBody>
-                    <a:bodyPr/>
-                    <a:lstStyle/>
-                    <a:p>
-                      <a:pPr algn="r" marL="25400" marR="50800">
-                        <a:spcBef>
-                          <a:spcPts val="200"/>
-                        </a:spcBef>
-                        <a:spcAft>
-                          <a:spcPts val="200"/>
-                        </a:spcAft>
-                        <a:buNone/>
-                      </a:pPr>
-                      <a:r>
-                        <a:rPr sz="1000">
+              <a:tr h="182880">
+                <a:tc>
+                  <a:txBody>
+                    <a:bodyPr/>
+                    <a:lstStyle/>
+                    <a:p>
+                      <a:pPr algn="r" marL="25400" marR="50800">
+                        <a:spcBef>
+                          <a:spcPts val="200"/>
+                        </a:spcBef>
+                        <a:spcAft>
+                          <a:spcPts val="200"/>
+                        </a:spcAft>
+                        <a:buNone/>
+                      </a:pPr>
+                      <a:r>
+                        <a:rPr sz="800">
                           <a:solidFill>
                             <a:srgbClr val="000000">
                               <a:alpha val="100000"/>
@@ -20710,7 +20712,7 @@
                         <a:buNone/>
                       </a:pPr>
                       <a:r>
-                        <a:rPr sz="1000">
+                        <a:rPr sz="800">
                           <a:solidFill>
                             <a:srgbClr val="000000">
                               <a:alpha val="100000"/>
@@ -20761,7 +20763,7 @@
                         <a:buNone/>
                       </a:pPr>
                       <a:r>
-                        <a:rPr sz="1000">
+                        <a:rPr sz="800">
                           <a:solidFill>
                             <a:srgbClr val="000000">
                               <a:alpha val="100000"/>
@@ -20812,7 +20814,7 @@
                         <a:buNone/>
                       </a:pPr>
                       <a:r>
-                        <a:rPr sz="1000">
+                        <a:rPr sz="800">
                           <a:solidFill>
                             <a:srgbClr val="000000">
                               <a:alpha val="100000"/>
@@ -20863,7 +20865,7 @@
                         <a:buNone/>
                       </a:pPr>
                       <a:r>
-                        <a:rPr sz="1000">
+                        <a:rPr sz="800">
                           <a:solidFill>
                             <a:srgbClr val="000000">
                               <a:alpha val="100000"/>
@@ -20914,7 +20916,7 @@
                         <a:buNone/>
                       </a:pPr>
                       <a:r>
-                        <a:rPr sz="1000">
+                        <a:rPr sz="800">
                           <a:solidFill>
                             <a:srgbClr val="000000">
                               <a:alpha val="100000"/>
@@ -20965,7 +20967,7 @@
                         <a:buNone/>
                       </a:pPr>
                       <a:r>
-                        <a:rPr sz="1000">
+                        <a:rPr sz="800">
                           <a:solidFill>
                             <a:srgbClr val="000000">
                               <a:alpha val="100000"/>
@@ -21016,7 +21018,7 @@
                         <a:buNone/>
                       </a:pPr>
                       <a:r>
-                        <a:rPr sz="1000">
+                        <a:rPr sz="800">
                           <a:solidFill>
                             <a:srgbClr val="000000">
                               <a:alpha val="100000"/>
@@ -21067,7 +21069,7 @@
                         <a:buNone/>
                       </a:pPr>
                       <a:r>
-                        <a:rPr sz="1000">
+                        <a:rPr sz="800">
                           <a:solidFill>
                             <a:srgbClr val="000000">
                               <a:alpha val="100000"/>
@@ -21118,7 +21120,7 @@
                         <a:buNone/>
                       </a:pPr>
                       <a:r>
-                        <a:rPr sz="1000">
+                        <a:rPr sz="800">
                           <a:solidFill>
                             <a:srgbClr val="000000">
                               <a:alpha val="100000"/>
@@ -21169,7 +21171,7 @@
                         <a:buNone/>
                       </a:pPr>
                       <a:r>
-                        <a:rPr sz="1000">
+                        <a:rPr sz="800">
                           <a:solidFill>
                             <a:srgbClr val="000000">
                               <a:alpha val="100000"/>
@@ -21206,23 +21208,23 @@
                   </a:tcPr>
                 </a:tc>
               </a:tr>
-              <a:tr h="222792">
-                <a:tc>
-                  <a:txBody>
-                    <a:bodyPr/>
-                    <a:lstStyle/>
-                    <a:p>
-                      <a:pPr algn="r" marL="25400" marR="50800">
-                        <a:spcBef>
-                          <a:spcPts val="200"/>
-                        </a:spcBef>
-                        <a:spcAft>
-                          <a:spcPts val="200"/>
-                        </a:spcAft>
-                        <a:buNone/>
-                      </a:pPr>
-                      <a:r>
-                        <a:rPr sz="1000">
+              <a:tr h="182880">
+                <a:tc>
+                  <a:txBody>
+                    <a:bodyPr/>
+                    <a:lstStyle/>
+                    <a:p>
+                      <a:pPr algn="r" marL="25400" marR="50800">
+                        <a:spcBef>
+                          <a:spcPts val="200"/>
+                        </a:spcBef>
+                        <a:spcAft>
+                          <a:spcPts val="200"/>
+                        </a:spcAft>
+                        <a:buNone/>
+                      </a:pPr>
+                      <a:r>
+                        <a:rPr sz="800">
                           <a:solidFill>
                             <a:srgbClr val="000000">
                               <a:alpha val="100000"/>
@@ -21273,7 +21275,7 @@
                         <a:buNone/>
                       </a:pPr>
                       <a:r>
-                        <a:rPr sz="1000">
+                        <a:rPr sz="800">
                           <a:solidFill>
                             <a:srgbClr val="000000">
                               <a:alpha val="100000"/>
@@ -21324,7 +21326,7 @@
                         <a:buNone/>
                       </a:pPr>
                       <a:r>
-                        <a:rPr sz="1000">
+                        <a:rPr sz="800">
                           <a:solidFill>
                             <a:srgbClr val="000000">
                               <a:alpha val="100000"/>
@@ -21375,7 +21377,7 @@
                         <a:buNone/>
                       </a:pPr>
                       <a:r>
-                        <a:rPr sz="1000">
+                        <a:rPr sz="800">
                           <a:solidFill>
                             <a:srgbClr val="000000">
                               <a:alpha val="100000"/>
@@ -21426,7 +21428,7 @@
                         <a:buNone/>
                       </a:pPr>
                       <a:r>
-                        <a:rPr sz="1000">
+                        <a:rPr sz="800">
                           <a:solidFill>
                             <a:srgbClr val="000000">
                               <a:alpha val="100000"/>
@@ -21477,7 +21479,7 @@
                         <a:buNone/>
                       </a:pPr>
                       <a:r>
-                        <a:rPr sz="1000">
+                        <a:rPr sz="800">
                           <a:solidFill>
                             <a:srgbClr val="000000">
                               <a:alpha val="100000"/>
@@ -21528,7 +21530,7 @@
                         <a:buNone/>
                       </a:pPr>
                       <a:r>
-                        <a:rPr sz="1000">
+                        <a:rPr sz="800">
                           <a:solidFill>
                             <a:srgbClr val="000000">
                               <a:alpha val="100000"/>
@@ -21579,7 +21581,7 @@
                         <a:buNone/>
                       </a:pPr>
                       <a:r>
-                        <a:rPr sz="1000">
+                        <a:rPr sz="800">
                           <a:solidFill>
                             <a:srgbClr val="000000">
                               <a:alpha val="100000"/>
@@ -21630,7 +21632,7 @@
                         <a:buNone/>
                       </a:pPr>
                       <a:r>
-                        <a:rPr sz="1000">
+                        <a:rPr sz="800">
                           <a:solidFill>
                             <a:srgbClr val="000000">
                               <a:alpha val="100000"/>
@@ -21681,7 +21683,7 @@
                         <a:buNone/>
                       </a:pPr>
                       <a:r>
-                        <a:rPr sz="1000">
+                        <a:rPr sz="800">
                           <a:solidFill>
                             <a:srgbClr val="000000">
                               <a:alpha val="100000"/>
@@ -21732,7 +21734,7 @@
                         <a:buNone/>
                       </a:pPr>
                       <a:r>
-                        <a:rPr sz="1000">
+                        <a:rPr sz="800">
                           <a:solidFill>
                             <a:srgbClr val="000000">
                               <a:alpha val="100000"/>
@@ -21769,23 +21771,23 @@
                   </a:tcPr>
                 </a:tc>
               </a:tr>
-              <a:tr h="222792">
-                <a:tc>
-                  <a:txBody>
-                    <a:bodyPr/>
-                    <a:lstStyle/>
-                    <a:p>
-                      <a:pPr algn="r" marL="25400" marR="50800">
-                        <a:spcBef>
-                          <a:spcPts val="200"/>
-                        </a:spcBef>
-                        <a:spcAft>
-                          <a:spcPts val="200"/>
-                        </a:spcAft>
-                        <a:buNone/>
-                      </a:pPr>
-                      <a:r>
-                        <a:rPr sz="1000">
+              <a:tr h="182880">
+                <a:tc>
+                  <a:txBody>
+                    <a:bodyPr/>
+                    <a:lstStyle/>
+                    <a:p>
+                      <a:pPr algn="r" marL="25400" marR="50800">
+                        <a:spcBef>
+                          <a:spcPts val="200"/>
+                        </a:spcBef>
+                        <a:spcAft>
+                          <a:spcPts val="200"/>
+                        </a:spcAft>
+                        <a:buNone/>
+                      </a:pPr>
+                      <a:r>
+                        <a:rPr sz="800">
                           <a:solidFill>
                             <a:srgbClr val="000000">
                               <a:alpha val="100000"/>
@@ -21836,7 +21838,7 @@
                         <a:buNone/>
                       </a:pPr>
                       <a:r>
-                        <a:rPr sz="1000">
+                        <a:rPr sz="800">
                           <a:solidFill>
                             <a:srgbClr val="000000">
                               <a:alpha val="100000"/>
@@ -21887,7 +21889,7 @@
                         <a:buNone/>
                       </a:pPr>
                       <a:r>
-                        <a:rPr sz="1000">
+                        <a:rPr sz="800">
                           <a:solidFill>
                             <a:srgbClr val="000000">
                               <a:alpha val="100000"/>
@@ -21938,7 +21940,7 @@
                         <a:buNone/>
                       </a:pPr>
                       <a:r>
-                        <a:rPr sz="1000">
+                        <a:rPr sz="800">
                           <a:solidFill>
                             <a:srgbClr val="000000">
                               <a:alpha val="100000"/>
@@ -21989,7 +21991,7 @@
                         <a:buNone/>
                       </a:pPr>
                       <a:r>
-                        <a:rPr sz="1000">
+                        <a:rPr sz="800">
                           <a:solidFill>
                             <a:srgbClr val="000000">
                               <a:alpha val="100000"/>
@@ -22040,7 +22042,7 @@
                         <a:buNone/>
                       </a:pPr>
                       <a:r>
-                        <a:rPr sz="1000">
+                        <a:rPr sz="800">
                           <a:solidFill>
                             <a:srgbClr val="000000">
                               <a:alpha val="100000"/>
@@ -22091,7 +22093,7 @@
                         <a:buNone/>
                       </a:pPr>
                       <a:r>
-                        <a:rPr sz="1000">
+                        <a:rPr sz="800">
                           <a:solidFill>
                             <a:srgbClr val="000000">
                               <a:alpha val="100000"/>
@@ -22142,7 +22144,7 @@
                         <a:buNone/>
                       </a:pPr>
                       <a:r>
-                        <a:rPr sz="1000">
+                        <a:rPr sz="800">
                           <a:solidFill>
                             <a:srgbClr val="000000">
                               <a:alpha val="100000"/>
@@ -22193,7 +22195,7 @@
                         <a:buNone/>
                       </a:pPr>
                       <a:r>
-                        <a:rPr sz="1000">
+                        <a:rPr sz="800">
                           <a:solidFill>
                             <a:srgbClr val="000000">
                               <a:alpha val="100000"/>
@@ -22244,7 +22246,7 @@
                         <a:buNone/>
                       </a:pPr>
                       <a:r>
-                        <a:rPr sz="1000">
+                        <a:rPr sz="800">
                           <a:solidFill>
                             <a:srgbClr val="000000">
                               <a:alpha val="100000"/>
@@ -22295,7 +22297,7 @@
                         <a:buNone/>
                       </a:pPr>
                       <a:r>
-                        <a:rPr sz="1000">
+                        <a:rPr sz="800">
                           <a:solidFill>
                             <a:srgbClr val="000000">
                               <a:alpha val="100000"/>
@@ -22332,23 +22334,23 @@
                   </a:tcPr>
                 </a:tc>
               </a:tr>
-              <a:tr h="222792">
-                <a:tc>
-                  <a:txBody>
-                    <a:bodyPr/>
-                    <a:lstStyle/>
-                    <a:p>
-                      <a:pPr algn="r" marL="25400" marR="50800">
-                        <a:spcBef>
-                          <a:spcPts val="200"/>
-                        </a:spcBef>
-                        <a:spcAft>
-                          <a:spcPts val="200"/>
-                        </a:spcAft>
-                        <a:buNone/>
-                      </a:pPr>
-                      <a:r>
-                        <a:rPr sz="1000">
+              <a:tr h="182880">
+                <a:tc>
+                  <a:txBody>
+                    <a:bodyPr/>
+                    <a:lstStyle/>
+                    <a:p>
+                      <a:pPr algn="r" marL="25400" marR="50800">
+                        <a:spcBef>
+                          <a:spcPts val="200"/>
+                        </a:spcBef>
+                        <a:spcAft>
+                          <a:spcPts val="200"/>
+                        </a:spcAft>
+                        <a:buNone/>
+                      </a:pPr>
+                      <a:r>
+                        <a:rPr sz="800">
                           <a:solidFill>
                             <a:srgbClr val="000000">
                               <a:alpha val="100000"/>
@@ -22399,7 +22401,7 @@
                         <a:buNone/>
                       </a:pPr>
                       <a:r>
-                        <a:rPr sz="1000">
+                        <a:rPr sz="800">
                           <a:solidFill>
                             <a:srgbClr val="000000">
                               <a:alpha val="100000"/>
@@ -22450,7 +22452,7 @@
                         <a:buNone/>
                       </a:pPr>
                       <a:r>
-                        <a:rPr sz="1000">
+                        <a:rPr sz="800">
                           <a:solidFill>
                             <a:srgbClr val="000000">
                               <a:alpha val="100000"/>
@@ -22501,7 +22503,7 @@
                         <a:buNone/>
                       </a:pPr>
                       <a:r>
-                        <a:rPr sz="1000">
+                        <a:rPr sz="800">
                           <a:solidFill>
                             <a:srgbClr val="000000">
                               <a:alpha val="100000"/>
@@ -22552,7 +22554,7 @@
                         <a:buNone/>
                       </a:pPr>
                       <a:r>
-                        <a:rPr sz="1000">
+                        <a:rPr sz="800">
                           <a:solidFill>
                             <a:srgbClr val="000000">
                               <a:alpha val="100000"/>
@@ -22603,7 +22605,7 @@
                         <a:buNone/>
                       </a:pPr>
                       <a:r>
-                        <a:rPr sz="1000">
+                        <a:rPr sz="800">
                           <a:solidFill>
                             <a:srgbClr val="000000">
                               <a:alpha val="100000"/>
@@ -22654,7 +22656,7 @@
                         <a:buNone/>
                       </a:pPr>
                       <a:r>
-                        <a:rPr sz="1000">
+                        <a:rPr sz="800">
                           <a:solidFill>
                             <a:srgbClr val="000000">
                               <a:alpha val="100000"/>
@@ -22705,7 +22707,7 @@
                         <a:buNone/>
                       </a:pPr>
                       <a:r>
-                        <a:rPr sz="1000">
+                        <a:rPr sz="800">
                           <a:solidFill>
                             <a:srgbClr val="000000">
                               <a:alpha val="100000"/>
@@ -22756,7 +22758,7 @@
                         <a:buNone/>
                       </a:pPr>
                       <a:r>
-                        <a:rPr sz="1000">
+                        <a:rPr sz="800">
                           <a:solidFill>
                             <a:srgbClr val="000000">
                               <a:alpha val="100000"/>
@@ -22807,7 +22809,7 @@
                         <a:buNone/>
                       </a:pPr>
                       <a:r>
-                        <a:rPr sz="1000">
+                        <a:rPr sz="800">
                           <a:solidFill>
                             <a:srgbClr val="000000">
                               <a:alpha val="100000"/>
@@ -22858,7 +22860,7 @@
                         <a:buNone/>
                       </a:pPr>
                       <a:r>
-                        <a:rPr sz="1000">
+                        <a:rPr sz="800">
                           <a:solidFill>
                             <a:srgbClr val="000000">
                               <a:alpha val="100000"/>
@@ -22895,23 +22897,23 @@
                   </a:tcPr>
                 </a:tc>
               </a:tr>
-              <a:tr h="222792">
-                <a:tc>
-                  <a:txBody>
-                    <a:bodyPr/>
-                    <a:lstStyle/>
-                    <a:p>
-                      <a:pPr algn="r" marL="25400" marR="50800">
-                        <a:spcBef>
-                          <a:spcPts val="200"/>
-                        </a:spcBef>
-                        <a:spcAft>
-                          <a:spcPts val="200"/>
-                        </a:spcAft>
-                        <a:buNone/>
-                      </a:pPr>
-                      <a:r>
-                        <a:rPr sz="1000">
+              <a:tr h="182880">
+                <a:tc>
+                  <a:txBody>
+                    <a:bodyPr/>
+                    <a:lstStyle/>
+                    <a:p>
+                      <a:pPr algn="r" marL="25400" marR="50800">
+                        <a:spcBef>
+                          <a:spcPts val="200"/>
+                        </a:spcBef>
+                        <a:spcAft>
+                          <a:spcPts val="200"/>
+                        </a:spcAft>
+                        <a:buNone/>
+                      </a:pPr>
+                      <a:r>
+                        <a:rPr sz="800">
                           <a:solidFill>
                             <a:srgbClr val="000000">
                               <a:alpha val="100000"/>
@@ -22962,7 +22964,7 @@
                         <a:buNone/>
                       </a:pPr>
                       <a:r>
-                        <a:rPr sz="1000">
+                        <a:rPr sz="800">
                           <a:solidFill>
                             <a:srgbClr val="000000">
                               <a:alpha val="100000"/>
@@ -23013,7 +23015,7 @@
                         <a:buNone/>
                       </a:pPr>
                       <a:r>
-                        <a:rPr sz="1000">
+                        <a:rPr sz="800">
                           <a:solidFill>
                             <a:srgbClr val="000000">
                               <a:alpha val="100000"/>
@@ -23064,7 +23066,7 @@
                         <a:buNone/>
                       </a:pPr>
                       <a:r>
-                        <a:rPr sz="1000">
+                        <a:rPr sz="800">
                           <a:solidFill>
                             <a:srgbClr val="000000">
                               <a:alpha val="100000"/>
@@ -23115,7 +23117,7 @@
                         <a:buNone/>
                       </a:pPr>
                       <a:r>
-                        <a:rPr sz="1000">
+                        <a:rPr sz="800">
                           <a:solidFill>
                             <a:srgbClr val="000000">
                               <a:alpha val="100000"/>
@@ -23166,7 +23168,7 @@
                         <a:buNone/>
                       </a:pPr>
                       <a:r>
-                        <a:rPr sz="1000">
+                        <a:rPr sz="800">
                           <a:solidFill>
                             <a:srgbClr val="000000">
                               <a:alpha val="100000"/>
@@ -23217,7 +23219,7 @@
                         <a:buNone/>
                       </a:pPr>
                       <a:r>
-                        <a:rPr sz="1000">
+                        <a:rPr sz="800">
                           <a:solidFill>
                             <a:srgbClr val="000000">
                               <a:alpha val="100000"/>
@@ -23268,7 +23270,7 @@
                         <a:buNone/>
                       </a:pPr>
                       <a:r>
-                        <a:rPr sz="1000">
+                        <a:rPr sz="800">
                           <a:solidFill>
                             <a:srgbClr val="000000">
                               <a:alpha val="100000"/>
@@ -23319,7 +23321,7 @@
                         <a:buNone/>
                       </a:pPr>
                       <a:r>
-                        <a:rPr sz="1000">
+                        <a:rPr sz="800">
                           <a:solidFill>
                             <a:srgbClr val="000000">
                               <a:alpha val="100000"/>
@@ -23370,7 +23372,7 @@
                         <a:buNone/>
                       </a:pPr>
                       <a:r>
-                        <a:rPr sz="1000">
+                        <a:rPr sz="800">
                           <a:solidFill>
                             <a:srgbClr val="000000">
                               <a:alpha val="100000"/>
@@ -23421,7 +23423,7 @@
                         <a:buNone/>
                       </a:pPr>
                       <a:r>
-                        <a:rPr sz="1000">
+                        <a:rPr sz="800">
                           <a:solidFill>
                             <a:srgbClr val="000000">
                               <a:alpha val="100000"/>
@@ -23458,23 +23460,23 @@
                   </a:tcPr>
                 </a:tc>
               </a:tr>
-              <a:tr h="222792">
-                <a:tc>
-                  <a:txBody>
-                    <a:bodyPr/>
-                    <a:lstStyle/>
-                    <a:p>
-                      <a:pPr algn="r" marL="25400" marR="50800">
-                        <a:spcBef>
-                          <a:spcPts val="200"/>
-                        </a:spcBef>
-                        <a:spcAft>
-                          <a:spcPts val="200"/>
-                        </a:spcAft>
-                        <a:buNone/>
-                      </a:pPr>
-                      <a:r>
-                        <a:rPr sz="1000">
+              <a:tr h="182880">
+                <a:tc>
+                  <a:txBody>
+                    <a:bodyPr/>
+                    <a:lstStyle/>
+                    <a:p>
+                      <a:pPr algn="r" marL="25400" marR="50800">
+                        <a:spcBef>
+                          <a:spcPts val="200"/>
+                        </a:spcBef>
+                        <a:spcAft>
+                          <a:spcPts val="200"/>
+                        </a:spcAft>
+                        <a:buNone/>
+                      </a:pPr>
+                      <a:r>
+                        <a:rPr sz="800">
                           <a:solidFill>
                             <a:srgbClr val="000000">
                               <a:alpha val="100000"/>
@@ -23525,7 +23527,7 @@
                         <a:buNone/>
                       </a:pPr>
                       <a:r>
-                        <a:rPr sz="1000">
+                        <a:rPr sz="800">
                           <a:solidFill>
                             <a:srgbClr val="000000">
                               <a:alpha val="100000"/>
@@ -23576,7 +23578,7 @@
                         <a:buNone/>
                       </a:pPr>
                       <a:r>
-                        <a:rPr sz="1000">
+                        <a:rPr sz="800">
                           <a:solidFill>
                             <a:srgbClr val="000000">
                               <a:alpha val="100000"/>
@@ -23627,7 +23629,7 @@
                         <a:buNone/>
                       </a:pPr>
                       <a:r>
-                        <a:rPr sz="1000">
+                        <a:rPr sz="800">
                           <a:solidFill>
                             <a:srgbClr val="000000">
                               <a:alpha val="100000"/>
@@ -23678,7 +23680,7 @@
                         <a:buNone/>
                       </a:pPr>
                       <a:r>
-                        <a:rPr sz="1000">
+                        <a:rPr sz="800">
                           <a:solidFill>
                             <a:srgbClr val="000000">
                               <a:alpha val="100000"/>
@@ -23729,7 +23731,7 @@
                         <a:buNone/>
                       </a:pPr>
                       <a:r>
-                        <a:rPr sz="1000">
+                        <a:rPr sz="800">
                           <a:solidFill>
                             <a:srgbClr val="000000">
                               <a:alpha val="100000"/>
@@ -23780,7 +23782,7 @@
                         <a:buNone/>
                       </a:pPr>
                       <a:r>
-                        <a:rPr sz="1000">
+                        <a:rPr sz="800">
                           <a:solidFill>
                             <a:srgbClr val="000000">
                               <a:alpha val="100000"/>
@@ -23831,7 +23833,7 @@
                         <a:buNone/>
                       </a:pPr>
                       <a:r>
-                        <a:rPr sz="1000">
+                        <a:rPr sz="800">
                           <a:solidFill>
                             <a:srgbClr val="000000">
                               <a:alpha val="100000"/>
@@ -23882,7 +23884,7 @@
                         <a:buNone/>
                       </a:pPr>
                       <a:r>
-                        <a:rPr sz="1000">
+                        <a:rPr sz="800">
                           <a:solidFill>
                             <a:srgbClr val="000000">
                               <a:alpha val="100000"/>
@@ -23933,7 +23935,7 @@
                         <a:buNone/>
                       </a:pPr>
                       <a:r>
-                        <a:rPr sz="1000">
+                        <a:rPr sz="800">
                           <a:solidFill>
                             <a:srgbClr val="000000">
                               <a:alpha val="100000"/>
@@ -23984,7 +23986,7 @@
                         <a:buNone/>
                       </a:pPr>
                       <a:r>
-                        <a:rPr sz="1000">
+                        <a:rPr sz="800">
                           <a:solidFill>
                             <a:srgbClr val="000000">
                               <a:alpha val="100000"/>
@@ -24021,23 +24023,23 @@
                   </a:tcPr>
                 </a:tc>
               </a:tr>
-              <a:tr h="222792">
-                <a:tc>
-                  <a:txBody>
-                    <a:bodyPr/>
-                    <a:lstStyle/>
-                    <a:p>
-                      <a:pPr algn="r" marL="25400" marR="50800">
-                        <a:spcBef>
-                          <a:spcPts val="200"/>
-                        </a:spcBef>
-                        <a:spcAft>
-                          <a:spcPts val="200"/>
-                        </a:spcAft>
-                        <a:buNone/>
-                      </a:pPr>
-                      <a:r>
-                        <a:rPr sz="1000">
+              <a:tr h="182880">
+                <a:tc>
+                  <a:txBody>
+                    <a:bodyPr/>
+                    <a:lstStyle/>
+                    <a:p>
+                      <a:pPr algn="r" marL="25400" marR="50800">
+                        <a:spcBef>
+                          <a:spcPts val="200"/>
+                        </a:spcBef>
+                        <a:spcAft>
+                          <a:spcPts val="200"/>
+                        </a:spcAft>
+                        <a:buNone/>
+                      </a:pPr>
+                      <a:r>
+                        <a:rPr sz="800">
                           <a:solidFill>
                             <a:srgbClr val="000000">
                               <a:alpha val="100000"/>
@@ -24088,7 +24090,7 @@
                         <a:buNone/>
                       </a:pPr>
                       <a:r>
-                        <a:rPr sz="1000">
+                        <a:rPr sz="800">
                           <a:solidFill>
                             <a:srgbClr val="000000">
                               <a:alpha val="100000"/>
@@ -24139,7 +24141,7 @@
                         <a:buNone/>
                       </a:pPr>
                       <a:r>
-                        <a:rPr sz="1000">
+                        <a:rPr sz="800">
                           <a:solidFill>
                             <a:srgbClr val="000000">
                               <a:alpha val="100000"/>
@@ -24190,7 +24192,7 @@
                         <a:buNone/>
                       </a:pPr>
                       <a:r>
-                        <a:rPr sz="1000">
+                        <a:rPr sz="800">
                           <a:solidFill>
                             <a:srgbClr val="000000">
                               <a:alpha val="100000"/>
@@ -24241,7 +24243,7 @@
                         <a:buNone/>
                       </a:pPr>
                       <a:r>
-                        <a:rPr sz="1000">
+                        <a:rPr sz="800">
                           <a:solidFill>
                             <a:srgbClr val="000000">
                               <a:alpha val="100000"/>
@@ -24292,7 +24294,7 @@
                         <a:buNone/>
                       </a:pPr>
                       <a:r>
-                        <a:rPr sz="1000">
+                        <a:rPr sz="800">
                           <a:solidFill>
                             <a:srgbClr val="000000">
                               <a:alpha val="100000"/>
@@ -24343,7 +24345,7 @@
                         <a:buNone/>
                       </a:pPr>
                       <a:r>
-                        <a:rPr sz="1000">
+                        <a:rPr sz="800">
                           <a:solidFill>
                             <a:srgbClr val="000000">
                               <a:alpha val="100000"/>
@@ -24394,7 +24396,7 @@
                         <a:buNone/>
                       </a:pPr>
                       <a:r>
-                        <a:rPr sz="1000">
+                        <a:rPr sz="800">
                           <a:solidFill>
                             <a:srgbClr val="000000">
                               <a:alpha val="100000"/>
@@ -24445,7 +24447,7 @@
                         <a:buNone/>
                       </a:pPr>
                       <a:r>
-                        <a:rPr sz="1000">
+                        <a:rPr sz="800">
                           <a:solidFill>
                             <a:srgbClr val="000000">
                               <a:alpha val="100000"/>
@@ -24496,7 +24498,7 @@
                         <a:buNone/>
                       </a:pPr>
                       <a:r>
-                        <a:rPr sz="1000">
+                        <a:rPr sz="800">
                           <a:solidFill>
                             <a:srgbClr val="000000">
                               <a:alpha val="100000"/>
@@ -24547,7 +24549,7 @@
                         <a:buNone/>
                       </a:pPr>
                       <a:r>
-                        <a:rPr sz="1000">
+                        <a:rPr sz="800">
                           <a:solidFill>
                             <a:srgbClr val="000000">
                               <a:alpha val="100000"/>
@@ -24584,23 +24586,23 @@
                   </a:tcPr>
                 </a:tc>
               </a:tr>
-              <a:tr h="222792">
-                <a:tc>
-                  <a:txBody>
-                    <a:bodyPr/>
-                    <a:lstStyle/>
-                    <a:p>
-                      <a:pPr algn="r" marL="25400" marR="50800">
-                        <a:spcBef>
-                          <a:spcPts val="200"/>
-                        </a:spcBef>
-                        <a:spcAft>
-                          <a:spcPts val="200"/>
-                        </a:spcAft>
-                        <a:buNone/>
-                      </a:pPr>
-                      <a:r>
-                        <a:rPr sz="1000">
+              <a:tr h="182880">
+                <a:tc>
+                  <a:txBody>
+                    <a:bodyPr/>
+                    <a:lstStyle/>
+                    <a:p>
+                      <a:pPr algn="r" marL="25400" marR="50800">
+                        <a:spcBef>
+                          <a:spcPts val="200"/>
+                        </a:spcBef>
+                        <a:spcAft>
+                          <a:spcPts val="200"/>
+                        </a:spcAft>
+                        <a:buNone/>
+                      </a:pPr>
+                      <a:r>
+                        <a:rPr sz="800">
                           <a:solidFill>
                             <a:srgbClr val="000000">
                               <a:alpha val="100000"/>
@@ -24651,7 +24653,7 @@
                         <a:buNone/>
                       </a:pPr>
                       <a:r>
-                        <a:rPr sz="1000">
+                        <a:rPr sz="800">
                           <a:solidFill>
                             <a:srgbClr val="000000">
                               <a:alpha val="100000"/>
@@ -24702,7 +24704,7 @@
                         <a:buNone/>
                       </a:pPr>
                       <a:r>
-                        <a:rPr sz="1000">
+                        <a:rPr sz="800">
                           <a:solidFill>
                             <a:srgbClr val="000000">
                               <a:alpha val="100000"/>
@@ -24753,7 +24755,7 @@
                         <a:buNone/>
                       </a:pPr>
                       <a:r>
-                        <a:rPr sz="1000">
+                        <a:rPr sz="800">
                           <a:solidFill>
                             <a:srgbClr val="000000">
                               <a:alpha val="100000"/>
@@ -24804,7 +24806,7 @@
                         <a:buNone/>
                       </a:pPr>
                       <a:r>
-                        <a:rPr sz="1000">
+                        <a:rPr sz="800">
                           <a:solidFill>
                             <a:srgbClr val="000000">
                               <a:alpha val="100000"/>
@@ -24855,7 +24857,7 @@
                         <a:buNone/>
                       </a:pPr>
                       <a:r>
-                        <a:rPr sz="1000">
+                        <a:rPr sz="800">
                           <a:solidFill>
                             <a:srgbClr val="000000">
                               <a:alpha val="100000"/>
@@ -24906,7 +24908,7 @@
                         <a:buNone/>
                       </a:pPr>
                       <a:r>
-                        <a:rPr sz="1000">
+                        <a:rPr sz="800">
                           <a:solidFill>
                             <a:srgbClr val="000000">
                               <a:alpha val="100000"/>
@@ -24957,7 +24959,7 @@
                         <a:buNone/>
                       </a:pPr>
                       <a:r>
-                        <a:rPr sz="1000">
+                        <a:rPr sz="800">
                           <a:solidFill>
                             <a:srgbClr val="000000">
                               <a:alpha val="100000"/>
@@ -25008,7 +25010,7 @@
                         <a:buNone/>
                       </a:pPr>
                       <a:r>
-                        <a:rPr sz="1000">
+                        <a:rPr sz="800">
                           <a:solidFill>
                             <a:srgbClr val="000000">
                               <a:alpha val="100000"/>
@@ -25059,7 +25061,7 @@
                         <a:buNone/>
                       </a:pPr>
                       <a:r>
-                        <a:rPr sz="1000">
+                        <a:rPr sz="800">
                           <a:solidFill>
                             <a:srgbClr val="000000">
                               <a:alpha val="100000"/>
@@ -25110,7 +25112,7 @@
                         <a:buNone/>
                       </a:pPr>
                       <a:r>
-                        <a:rPr sz="1000">
+                        <a:rPr sz="800">
                           <a:solidFill>
                             <a:srgbClr val="000000">
                               <a:alpha val="100000"/>
@@ -25147,23 +25149,23 @@
                   </a:tcPr>
                 </a:tc>
               </a:tr>
-              <a:tr h="222792">
-                <a:tc>
-                  <a:txBody>
-                    <a:bodyPr/>
-                    <a:lstStyle/>
-                    <a:p>
-                      <a:pPr algn="r" marL="25400" marR="50800">
-                        <a:spcBef>
-                          <a:spcPts val="200"/>
-                        </a:spcBef>
-                        <a:spcAft>
-                          <a:spcPts val="200"/>
-                        </a:spcAft>
-                        <a:buNone/>
-                      </a:pPr>
-                      <a:r>
-                        <a:rPr sz="1000">
+              <a:tr h="182880">
+                <a:tc>
+                  <a:txBody>
+                    <a:bodyPr/>
+                    <a:lstStyle/>
+                    <a:p>
+                      <a:pPr algn="r" marL="25400" marR="50800">
+                        <a:spcBef>
+                          <a:spcPts val="200"/>
+                        </a:spcBef>
+                        <a:spcAft>
+                          <a:spcPts val="200"/>
+                        </a:spcAft>
+                        <a:buNone/>
+                      </a:pPr>
+                      <a:r>
+                        <a:rPr sz="800">
                           <a:solidFill>
                             <a:srgbClr val="000000">
                               <a:alpha val="100000"/>
@@ -25214,7 +25216,7 @@
                         <a:buNone/>
                       </a:pPr>
                       <a:r>
-                        <a:rPr sz="1000">
+                        <a:rPr sz="800">
                           <a:solidFill>
                             <a:srgbClr val="000000">
                               <a:alpha val="100000"/>
@@ -25265,7 +25267,7 @@
                         <a:buNone/>
                       </a:pPr>
                       <a:r>
-                        <a:rPr sz="1000">
+                        <a:rPr sz="800">
                           <a:solidFill>
                             <a:srgbClr val="000000">
                               <a:alpha val="100000"/>
@@ -25316,7 +25318,7 @@
                         <a:buNone/>
                       </a:pPr>
                       <a:r>
-                        <a:rPr sz="1000">
+                        <a:rPr sz="800">
                           <a:solidFill>
                             <a:srgbClr val="000000">
                               <a:alpha val="100000"/>
@@ -25367,7 +25369,7 @@
                         <a:buNone/>
                       </a:pPr>
                       <a:r>
-                        <a:rPr sz="1000">
+                        <a:rPr sz="800">
                           <a:solidFill>
                             <a:srgbClr val="000000">
                               <a:alpha val="100000"/>
@@ -25418,7 +25420,7 @@
                         <a:buNone/>
                       </a:pPr>
                       <a:r>
-                        <a:rPr sz="1000">
+                        <a:rPr sz="800">
                           <a:solidFill>
                             <a:srgbClr val="000000">
                               <a:alpha val="100000"/>
@@ -25469,7 +25471,7 @@
                         <a:buNone/>
                       </a:pPr>
                       <a:r>
-                        <a:rPr sz="1000">
+                        <a:rPr sz="800">
                           <a:solidFill>
                             <a:srgbClr val="000000">
                               <a:alpha val="100000"/>
@@ -25520,7 +25522,7 @@
                         <a:buNone/>
                       </a:pPr>
                       <a:r>
-                        <a:rPr sz="1000">
+                        <a:rPr sz="800">
                           <a:solidFill>
                             <a:srgbClr val="000000">
                               <a:alpha val="100000"/>
@@ -25571,7 +25573,7 @@
                         <a:buNone/>
                       </a:pPr>
                       <a:r>
-                        <a:rPr sz="1000">
+                        <a:rPr sz="800">
                           <a:solidFill>
                             <a:srgbClr val="000000">
                               <a:alpha val="100000"/>
@@ -25622,7 +25624,7 @@
                         <a:buNone/>
                       </a:pPr>
                       <a:r>
-                        <a:rPr sz="1000">
+                        <a:rPr sz="800">
                           <a:solidFill>
                             <a:srgbClr val="000000">
                               <a:alpha val="100000"/>
@@ -25673,7 +25675,7 @@
                         <a:buNone/>
                       </a:pPr>
                       <a:r>
-                        <a:rPr sz="1000">
+                        <a:rPr sz="800">
                           <a:solidFill>
                             <a:srgbClr val="000000">
                               <a:alpha val="100000"/>
@@ -25710,23 +25712,23 @@
                   </a:tcPr>
                 </a:tc>
               </a:tr>
-              <a:tr h="222792">
-                <a:tc>
-                  <a:txBody>
-                    <a:bodyPr/>
-                    <a:lstStyle/>
-                    <a:p>
-                      <a:pPr algn="r" marL="25400" marR="50800">
-                        <a:spcBef>
-                          <a:spcPts val="200"/>
-                        </a:spcBef>
-                        <a:spcAft>
-                          <a:spcPts val="200"/>
-                        </a:spcAft>
-                        <a:buNone/>
-                      </a:pPr>
-                      <a:r>
-                        <a:rPr sz="1000">
+              <a:tr h="182880">
+                <a:tc>
+                  <a:txBody>
+                    <a:bodyPr/>
+                    <a:lstStyle/>
+                    <a:p>
+                      <a:pPr algn="r" marL="25400" marR="50800">
+                        <a:spcBef>
+                          <a:spcPts val="200"/>
+                        </a:spcBef>
+                        <a:spcAft>
+                          <a:spcPts val="200"/>
+                        </a:spcAft>
+                        <a:buNone/>
+                      </a:pPr>
+                      <a:r>
+                        <a:rPr sz="800">
                           <a:solidFill>
                             <a:srgbClr val="000000">
                               <a:alpha val="100000"/>
@@ -25777,7 +25779,7 @@
                         <a:buNone/>
                       </a:pPr>
                       <a:r>
-                        <a:rPr sz="1000">
+                        <a:rPr sz="800">
                           <a:solidFill>
                             <a:srgbClr val="000000">
                               <a:alpha val="100000"/>
@@ -25828,7 +25830,7 @@
                         <a:buNone/>
                       </a:pPr>
                       <a:r>
-                        <a:rPr sz="1000">
+                        <a:rPr sz="800">
                           <a:solidFill>
                             <a:srgbClr val="000000">
                               <a:alpha val="100000"/>
@@ -25879,7 +25881,7 @@
                         <a:buNone/>
                       </a:pPr>
                       <a:r>
-                        <a:rPr sz="1000">
+                        <a:rPr sz="800">
                           <a:solidFill>
                             <a:srgbClr val="000000">
                               <a:alpha val="100000"/>
@@ -25930,7 +25932,7 @@
                         <a:buNone/>
                       </a:pPr>
                       <a:r>
-                        <a:rPr sz="1000">
+                        <a:rPr sz="800">
                           <a:solidFill>
                             <a:srgbClr val="000000">
                               <a:alpha val="100000"/>
@@ -25981,7 +25983,7 @@
                         <a:buNone/>
                       </a:pPr>
                       <a:r>
-                        <a:rPr sz="1000">
+                        <a:rPr sz="800">
                           <a:solidFill>
                             <a:srgbClr val="000000">
                               <a:alpha val="100000"/>
@@ -26032,7 +26034,7 @@
                         <a:buNone/>
                       </a:pPr>
                       <a:r>
-                        <a:rPr sz="1000">
+                        <a:rPr sz="800">
                           <a:solidFill>
                             <a:srgbClr val="000000">
                               <a:alpha val="100000"/>
@@ -26083,7 +26085,7 @@
                         <a:buNone/>
                       </a:pPr>
                       <a:r>
-                        <a:rPr sz="1000">
+                        <a:rPr sz="800">
                           <a:solidFill>
                             <a:srgbClr val="000000">
                               <a:alpha val="100000"/>
@@ -26134,7 +26136,7 @@
                         <a:buNone/>
                       </a:pPr>
                       <a:r>
-                        <a:rPr sz="1000">
+                        <a:rPr sz="800">
                           <a:solidFill>
                             <a:srgbClr val="000000">
                               <a:alpha val="100000"/>
@@ -26185,7 +26187,7 @@
                         <a:buNone/>
                       </a:pPr>
                       <a:r>
-                        <a:rPr sz="1000">
+                        <a:rPr sz="800">
                           <a:solidFill>
                             <a:srgbClr val="000000">
                               <a:alpha val="100000"/>
@@ -26236,7 +26238,7 @@
                         <a:buNone/>
                       </a:pPr>
                       <a:r>
-                        <a:rPr sz="1000">
+                        <a:rPr sz="800">
                           <a:solidFill>
                             <a:srgbClr val="000000">
                               <a:alpha val="100000"/>
@@ -26273,23 +26275,23 @@
                   </a:tcPr>
                 </a:tc>
               </a:tr>
-              <a:tr h="222792">
-                <a:tc>
-                  <a:txBody>
-                    <a:bodyPr/>
-                    <a:lstStyle/>
-                    <a:p>
-                      <a:pPr algn="r" marL="25400" marR="50800">
-                        <a:spcBef>
-                          <a:spcPts val="200"/>
-                        </a:spcBef>
-                        <a:spcAft>
-                          <a:spcPts val="200"/>
-                        </a:spcAft>
-                        <a:buNone/>
-                      </a:pPr>
-                      <a:r>
-                        <a:rPr sz="1000">
+              <a:tr h="182880">
+                <a:tc>
+                  <a:txBody>
+                    <a:bodyPr/>
+                    <a:lstStyle/>
+                    <a:p>
+                      <a:pPr algn="r" marL="25400" marR="50800">
+                        <a:spcBef>
+                          <a:spcPts val="200"/>
+                        </a:spcBef>
+                        <a:spcAft>
+                          <a:spcPts val="200"/>
+                        </a:spcAft>
+                        <a:buNone/>
+                      </a:pPr>
+                      <a:r>
+                        <a:rPr sz="800">
                           <a:solidFill>
                             <a:srgbClr val="000000">
                               <a:alpha val="100000"/>
@@ -26340,7 +26342,7 @@
                         <a:buNone/>
                       </a:pPr>
                       <a:r>
-                        <a:rPr sz="1000">
+                        <a:rPr sz="800">
                           <a:solidFill>
                             <a:srgbClr val="000000">
                               <a:alpha val="100000"/>
@@ -26391,7 +26393,7 @@
                         <a:buNone/>
                       </a:pPr>
                       <a:r>
-                        <a:rPr sz="1000">
+                        <a:rPr sz="800">
                           <a:solidFill>
                             <a:srgbClr val="000000">
                               <a:alpha val="100000"/>
@@ -26442,7 +26444,7 @@
                         <a:buNone/>
                       </a:pPr>
                       <a:r>
-                        <a:rPr sz="1000">
+                        <a:rPr sz="800">
                           <a:solidFill>
                             <a:srgbClr val="000000">
                               <a:alpha val="100000"/>
@@ -26493,7 +26495,7 @@
                         <a:buNone/>
                       </a:pPr>
                       <a:r>
-                        <a:rPr sz="1000">
+                        <a:rPr sz="800">
                           <a:solidFill>
                             <a:srgbClr val="000000">
                               <a:alpha val="100000"/>
@@ -26544,7 +26546,7 @@
                         <a:buNone/>
                       </a:pPr>
                       <a:r>
-                        <a:rPr sz="1000">
+                        <a:rPr sz="800">
                           <a:solidFill>
                             <a:srgbClr val="000000">
                               <a:alpha val="100000"/>
@@ -26595,7 +26597,7 @@
                         <a:buNone/>
                       </a:pPr>
                       <a:r>
-                        <a:rPr sz="1000">
+                        <a:rPr sz="800">
                           <a:solidFill>
                             <a:srgbClr val="000000">
                               <a:alpha val="100000"/>
@@ -26646,7 +26648,7 @@
                         <a:buNone/>
                       </a:pPr>
                       <a:r>
-                        <a:rPr sz="1000">
+                        <a:rPr sz="800">
                           <a:solidFill>
                             <a:srgbClr val="000000">
                               <a:alpha val="100000"/>
@@ -26697,7 +26699,7 @@
                         <a:buNone/>
                       </a:pPr>
                       <a:r>
-                        <a:rPr sz="1000">
+                        <a:rPr sz="800">
                           <a:solidFill>
                             <a:srgbClr val="000000">
                               <a:alpha val="100000"/>
@@ -26748,7 +26750,7 @@
                         <a:buNone/>
                       </a:pPr>
                       <a:r>
-                        <a:rPr sz="1000">
+                        <a:rPr sz="800">
                           <a:solidFill>
                             <a:srgbClr val="000000">
                               <a:alpha val="100000"/>
@@ -26799,7 +26801,7 @@
                         <a:buNone/>
                       </a:pPr>
                       <a:r>
-                        <a:rPr sz="1000">
+                        <a:rPr sz="800">
                           <a:solidFill>
                             <a:srgbClr val="000000">
                               <a:alpha val="100000"/>
@@ -26887,11 +26889,181 @@
           <a:p>
             <a:r>
               <a:rPr/>
-              <a:t>Scatterplot</a:t>
+              <a:t>Buyback ROI vs. Buyback Effectiveness by Company</a:t>
             </a:r>
           </a:p>
         </p:txBody>
       </p:sp>
+      <p:pic xmlns:a="http://schemas.openxmlformats.org/drawingml/2006/main" xmlns:r="http://schemas.openxmlformats.org/officeDocument/2006/relationships" xmlns:p="http://schemas.openxmlformats.org/presentationml/2006/main">
+        <p:nvPicPr>
+          <p:cNvPr id="3" name="pic"/>
+          <p:cNvPicPr/>
+          <p:nvPr/>
+        </p:nvPicPr>
+        <p:blipFill>
+          <a:blip cstate="print" r:embed="rId2"/>
+          <a:stretch>
+            <a:fillRect/>
+          </a:stretch>
+        </p:blipFill>
+        <p:spPr>
+          <a:xfrm>
+            <a:off x="503000" y="1305867"/>
+            <a:ext cx="9067132" cy="5683668"/>
+          </a:xfrm>
+          <a:prstGeom prst="rect">
+            <a:avLst/>
+          </a:prstGeom>
+        </p:spPr>
+      </p:pic>
+    </p:spTree>
+  </p:cSld>
+  <p:clrMapOvr>
+    <a:masterClrMapping/>
+  </p:clrMapOvr>
+</p:sld>
+</file>
+
+<file path=ppt/slides/slide6.xml><?xml version="1.0" encoding="utf-8"?>
+<p:sld xmlns:a="http://schemas.openxmlformats.org/drawingml/2006/main" xmlns:r="http://schemas.openxmlformats.org/officeDocument/2006/relationships" xmlns:p="http://schemas.openxmlformats.org/presentationml/2006/main">
+  <p:cSld>
+    <p:spTree>
+      <p:nvGrpSpPr>
+        <p:cNvPr id="1" name=""/>
+        <p:cNvGrpSpPr/>
+        <p:nvPr/>
+      </p:nvGrpSpPr>
+      <p:grpSpPr>
+        <a:xfrm>
+          <a:off x="0" y="0"/>
+          <a:ext cx="0" cy="0"/>
+          <a:chOff x="0" y="0"/>
+          <a:chExt cx="0" cy="0"/>
+        </a:xfrm>
+      </p:grpSpPr>
+      <p:sp xmlns:a="http://schemas.openxmlformats.org/drawingml/2006/main" xmlns:r="http://schemas.openxmlformats.org/officeDocument/2006/relationships" xmlns:p="http://schemas.openxmlformats.org/presentationml/2006/main">
+        <p:nvSpPr>
+          <p:cNvPr id="2" name=""/>
+          <p:cNvSpPr>
+            <a:spLocks noGrp="1"/>
+          </p:cNvSpPr>
+          <p:nvPr>
+            <p:ph type="title"/>
+          </p:nvPr>
+        </p:nvSpPr>
+        <p:spPr>
+          <a:xfrm>
+            <a:off x="503000" y="455065"/>
+            <a:ext cx="9067133" cy="481596"/>
+          </a:xfrm>
+        </p:spPr>
+        <p:txBody>
+          <a:bodyPr/>
+          <a:lstStyle/>
+          <a:p>
+            <a:r>
+              <a:rPr/>
+              <a:t>Buyback ROI by Company</a:t>
+            </a:r>
+          </a:p>
+        </p:txBody>
+      </p:sp>
+      <p:pic xmlns:a="http://schemas.openxmlformats.org/drawingml/2006/main" xmlns:r="http://schemas.openxmlformats.org/officeDocument/2006/relationships" xmlns:p="http://schemas.openxmlformats.org/presentationml/2006/main">
+        <p:nvPicPr>
+          <p:cNvPr id="3" name="pic"/>
+          <p:cNvPicPr/>
+          <p:nvPr/>
+        </p:nvPicPr>
+        <p:blipFill>
+          <a:blip cstate="print" r:embed="rId2"/>
+          <a:stretch>
+            <a:fillRect/>
+          </a:stretch>
+        </p:blipFill>
+        <p:spPr>
+          <a:xfrm>
+            <a:off x="503000" y="1305867"/>
+            <a:ext cx="9067132" cy="5683668"/>
+          </a:xfrm>
+          <a:prstGeom prst="rect">
+            <a:avLst/>
+          </a:prstGeom>
+        </p:spPr>
+      </p:pic>
+    </p:spTree>
+  </p:cSld>
+  <p:clrMapOvr>
+    <a:masterClrMapping/>
+  </p:clrMapOvr>
+</p:sld>
+</file>
+
+<file path=ppt/slides/slide7.xml><?xml version="1.0" encoding="utf-8"?>
+<p:sld xmlns:a="http://schemas.openxmlformats.org/drawingml/2006/main" xmlns:r="http://schemas.openxmlformats.org/officeDocument/2006/relationships" xmlns:p="http://schemas.openxmlformats.org/presentationml/2006/main">
+  <p:cSld>
+    <p:spTree>
+      <p:nvGrpSpPr>
+        <p:cNvPr id="1" name=""/>
+        <p:cNvGrpSpPr/>
+        <p:nvPr/>
+      </p:nvGrpSpPr>
+      <p:grpSpPr>
+        <a:xfrm>
+          <a:off x="0" y="0"/>
+          <a:ext cx="0" cy="0"/>
+          <a:chOff x="0" y="0"/>
+          <a:chExt cx="0" cy="0"/>
+        </a:xfrm>
+      </p:grpSpPr>
+      <p:sp xmlns:a="http://schemas.openxmlformats.org/drawingml/2006/main" xmlns:r="http://schemas.openxmlformats.org/officeDocument/2006/relationships" xmlns:p="http://schemas.openxmlformats.org/presentationml/2006/main">
+        <p:nvSpPr>
+          <p:cNvPr id="2" name=""/>
+          <p:cNvSpPr>
+            <a:spLocks noGrp="1"/>
+          </p:cNvSpPr>
+          <p:nvPr>
+            <p:ph type="title"/>
+          </p:nvPr>
+        </p:nvSpPr>
+        <p:spPr>
+          <a:xfrm>
+            <a:off x="503000" y="455065"/>
+            <a:ext cx="9067133" cy="481596"/>
+          </a:xfrm>
+        </p:spPr>
+        <p:txBody>
+          <a:bodyPr/>
+          <a:lstStyle/>
+          <a:p>
+            <a:r>
+              <a:rPr/>
+              <a:t>Buyback Effectiveness by Company</a:t>
+            </a:r>
+          </a:p>
+        </p:txBody>
+      </p:sp>
+      <p:pic xmlns:a="http://schemas.openxmlformats.org/drawingml/2006/main" xmlns:r="http://schemas.openxmlformats.org/officeDocument/2006/relationships" xmlns:p="http://schemas.openxmlformats.org/presentationml/2006/main">
+        <p:nvPicPr>
+          <p:cNvPr id="3" name="pic"/>
+          <p:cNvPicPr/>
+          <p:nvPr/>
+        </p:nvPicPr>
+        <p:blipFill>
+          <a:blip cstate="print" r:embed="rId2"/>
+          <a:stretch>
+            <a:fillRect/>
+          </a:stretch>
+        </p:blipFill>
+        <p:spPr>
+          <a:xfrm>
+            <a:off x="503000" y="1305867"/>
+            <a:ext cx="9067132" cy="5683668"/>
+          </a:xfrm>
+          <a:prstGeom prst="rect">
+            <a:avLst/>
+          </a:prstGeom>
+        </p:spPr>
+      </p:pic>
     </p:spTree>
   </p:cSld>
   <p:clrMapOvr>
